--- a/第五章 树与二叉树/5.4 树、森林/图.pptx
+++ b/第五章 树与二叉树/5.4 树、森林/图.pptx
@@ -8,11 +8,13 @@
     <p:sldId id="256" r:id="rId3"/>
     <p:sldId id="258" r:id="rId4"/>
     <p:sldId id="259" r:id="rId5"/>
+    <p:sldId id="260" r:id="rId6"/>
+    <p:sldId id="261" r:id="rId7"/>
   </p:sldIdLst>
   <p:sldSz cx="12192000" cy="6858000"/>
   <p:notesSz cx="6858000" cy="9144000"/>
   <p:custDataLst>
-    <p:tags r:id="rId9"/>
+    <p:tags r:id="rId11"/>
   </p:custDataLst>
   <p:defaultTextStyle>
     <a:defPPr>
@@ -3308,6 +3310,427 @@
 </p:sld>
 </file>
 
+<file path=ppt/slides/slide4.xml><?xml version="1.0" encoding="utf-8"?>
+<p:sld xmlns:a="http://schemas.openxmlformats.org/drawingml/2006/main" xmlns:r="http://schemas.openxmlformats.org/officeDocument/2006/relationships" xmlns:p="http://schemas.openxmlformats.org/presentationml/2006/main">
+  <p:cSld>
+    <p:spTree>
+      <p:nvGrpSpPr>
+        <p:cNvPr id="1" name=""/>
+        <p:cNvGrpSpPr/>
+        <p:nvPr/>
+      </p:nvGrpSpPr>
+      <p:grpSpPr/>
+      <p:grpSp>
+        <p:nvGrpSpPr>
+          <p:cNvPr id="4" name="组合 3"/>
+          <p:cNvGrpSpPr/>
+          <p:nvPr/>
+        </p:nvGrpSpPr>
+        <p:grpSpPr>
+          <a:xfrm>
+            <a:off x="2045970" y="1112520"/>
+            <a:ext cx="3729355" cy="1915160"/>
+            <a:chOff x="3222" y="1752"/>
+            <a:chExt cx="5873" cy="3016"/>
+          </a:xfrm>
+        </p:grpSpPr>
+        <p:pic>
+          <p:nvPicPr>
+            <p:cNvPr id="2" name="图片 1" descr="graph"/>
+            <p:cNvPicPr>
+              <a:picLocks noChangeAspect="1"/>
+            </p:cNvPicPr>
+            <p:nvPr/>
+          </p:nvPicPr>
+          <p:blipFill>
+            <a:blip r:embed="rId1"/>
+            <a:srcRect l="44348" t="19812" r="20058" b="36478"/>
+            <a:stretch>
+              <a:fillRect/>
+            </a:stretch>
+          </p:blipFill>
+          <p:spPr>
+            <a:xfrm>
+              <a:off x="3222" y="1752"/>
+              <a:ext cx="2456" cy="3016"/>
+            </a:xfrm>
+            <a:prstGeom prst="rect">
+              <a:avLst/>
+            </a:prstGeom>
+            <a:ln>
+              <a:solidFill>
+                <a:schemeClr val="accent1"/>
+              </a:solidFill>
+            </a:ln>
+          </p:spPr>
+        </p:pic>
+        <p:pic>
+          <p:nvPicPr>
+            <p:cNvPr id="3" name="图片 2" descr="graph (1)"/>
+            <p:cNvPicPr>
+              <a:picLocks noChangeAspect="1"/>
+            </p:cNvPicPr>
+            <p:nvPr/>
+          </p:nvPicPr>
+          <p:blipFill>
+            <a:blip r:embed="rId2"/>
+            <a:srcRect l="32290" t="57029" r="33797" b="16754"/>
+            <a:stretch>
+              <a:fillRect/>
+            </a:stretch>
+          </p:blipFill>
+          <p:spPr>
+            <a:xfrm>
+              <a:off x="6181" y="2255"/>
+              <a:ext cx="2914" cy="2253"/>
+            </a:xfrm>
+            <a:prstGeom prst="rect">
+              <a:avLst/>
+            </a:prstGeom>
+            <a:ln>
+              <a:solidFill>
+                <a:schemeClr val="accent1"/>
+              </a:solidFill>
+            </a:ln>
+          </p:spPr>
+        </p:pic>
+      </p:grpSp>
+      <p:grpSp>
+        <p:nvGrpSpPr>
+          <p:cNvPr id="15" name="组合 14"/>
+          <p:cNvGrpSpPr/>
+          <p:nvPr/>
+        </p:nvGrpSpPr>
+        <p:grpSpPr>
+          <a:xfrm>
+            <a:off x="6769735" y="1358265"/>
+            <a:ext cx="3218815" cy="1577340"/>
+            <a:chOff x="10661" y="2139"/>
+            <a:chExt cx="5069" cy="2484"/>
+          </a:xfrm>
+        </p:grpSpPr>
+        <p:pic>
+          <p:nvPicPr>
+            <p:cNvPr id="8" name="图片 7" descr="graph (4)"/>
+            <p:cNvPicPr>
+              <a:picLocks noChangeAspect="1"/>
+            </p:cNvPicPr>
+            <p:nvPr/>
+          </p:nvPicPr>
+          <p:blipFill>
+            <a:blip r:embed="rId3"/>
+            <a:srcRect l="33130" t="27246" r="33768" b="36739"/>
+            <a:stretch>
+              <a:fillRect/>
+            </a:stretch>
+          </p:blipFill>
+          <p:spPr>
+            <a:xfrm>
+              <a:off x="10661" y="2139"/>
+              <a:ext cx="2284" cy="2485"/>
+            </a:xfrm>
+            <a:prstGeom prst="rect">
+              <a:avLst/>
+            </a:prstGeom>
+            <a:ln>
+              <a:solidFill>
+                <a:srgbClr val="7030A0"/>
+              </a:solidFill>
+            </a:ln>
+          </p:spPr>
+        </p:pic>
+        <p:pic>
+          <p:nvPicPr>
+            <p:cNvPr id="9" name="图片 8" descr="graph (4)"/>
+            <p:cNvPicPr>
+              <a:picLocks noChangeAspect="1"/>
+            </p:cNvPicPr>
+            <p:nvPr>
+              <p:custDataLst>
+                <p:tags r:id="rId4"/>
+              </p:custDataLst>
+            </p:nvPr>
+          </p:nvPicPr>
+          <p:blipFill>
+            <a:blip r:embed="rId3"/>
+            <a:srcRect l="33130" t="27246" r="33768" b="36739"/>
+            <a:stretch>
+              <a:fillRect/>
+            </a:stretch>
+          </p:blipFill>
+          <p:spPr>
+            <a:xfrm>
+              <a:off x="13446" y="2139"/>
+              <a:ext cx="2284" cy="2485"/>
+            </a:xfrm>
+            <a:prstGeom prst="rect">
+              <a:avLst/>
+            </a:prstGeom>
+            <a:ln>
+              <a:solidFill>
+                <a:srgbClr val="7030A0"/>
+              </a:solidFill>
+            </a:ln>
+          </p:spPr>
+        </p:pic>
+      </p:grpSp>
+      <p:grpSp>
+        <p:nvGrpSpPr>
+          <p:cNvPr id="16" name="组合 15"/>
+          <p:cNvGrpSpPr/>
+          <p:nvPr/>
+        </p:nvGrpSpPr>
+        <p:grpSpPr>
+          <a:xfrm>
+            <a:off x="2045970" y="4048760"/>
+            <a:ext cx="3229610" cy="1715770"/>
+            <a:chOff x="3222" y="6376"/>
+            <a:chExt cx="5086" cy="2702"/>
+          </a:xfrm>
+        </p:grpSpPr>
+        <p:pic>
+          <p:nvPicPr>
+            <p:cNvPr id="10" name="图片 9" descr="graph (5)"/>
+            <p:cNvPicPr>
+              <a:picLocks noChangeAspect="1"/>
+            </p:cNvPicPr>
+            <p:nvPr/>
+          </p:nvPicPr>
+          <p:blipFill>
+            <a:blip r:embed="rId5"/>
+            <a:srcRect l="53275" t="28710" r="16594" b="32130"/>
+            <a:stretch>
+              <a:fillRect/>
+            </a:stretch>
+          </p:blipFill>
+          <p:spPr>
+            <a:xfrm>
+              <a:off x="3222" y="6376"/>
+              <a:ext cx="2079" cy="2702"/>
+            </a:xfrm>
+            <a:prstGeom prst="rect">
+              <a:avLst/>
+            </a:prstGeom>
+            <a:ln>
+              <a:solidFill>
+                <a:srgbClr val="FF0000"/>
+              </a:solidFill>
+            </a:ln>
+          </p:spPr>
+        </p:pic>
+        <p:pic>
+          <p:nvPicPr>
+            <p:cNvPr id="11" name="图片 10" descr="graph (6)"/>
+            <p:cNvPicPr>
+              <a:picLocks noChangeAspect="1"/>
+            </p:cNvPicPr>
+            <p:nvPr/>
+          </p:nvPicPr>
+          <p:blipFill>
+            <a:blip r:embed="rId6"/>
+            <a:srcRect l="30841" t="5261" r="29986" b="81551"/>
+            <a:stretch>
+              <a:fillRect/>
+            </a:stretch>
+          </p:blipFill>
+          <p:spPr>
+            <a:xfrm>
+              <a:off x="5606" y="7136"/>
+              <a:ext cx="2703" cy="910"/>
+            </a:xfrm>
+            <a:prstGeom prst="rect">
+              <a:avLst/>
+            </a:prstGeom>
+            <a:ln>
+              <a:solidFill>
+                <a:srgbClr val="FF0000"/>
+              </a:solidFill>
+            </a:ln>
+          </p:spPr>
+        </p:pic>
+      </p:grpSp>
+      <p:grpSp>
+        <p:nvGrpSpPr>
+          <p:cNvPr id="17" name="组合 16"/>
+          <p:cNvGrpSpPr/>
+          <p:nvPr/>
+        </p:nvGrpSpPr>
+        <p:grpSpPr>
+          <a:xfrm>
+            <a:off x="6830695" y="4264025"/>
+            <a:ext cx="3077210" cy="1285240"/>
+            <a:chOff x="10757" y="6715"/>
+            <a:chExt cx="4846" cy="2024"/>
+          </a:xfrm>
+        </p:grpSpPr>
+        <p:pic>
+          <p:nvPicPr>
+            <p:cNvPr id="12" name="图片 11" descr="graph (7)"/>
+            <p:cNvPicPr>
+              <a:picLocks noChangeAspect="1"/>
+            </p:cNvPicPr>
+            <p:nvPr/>
+          </p:nvPicPr>
+          <p:blipFill>
+            <a:blip r:embed="rId7"/>
+            <a:srcRect l="59435" t="22696" r="13783" b="47971"/>
+            <a:stretch>
+              <a:fillRect/>
+            </a:stretch>
+          </p:blipFill>
+          <p:spPr>
+            <a:xfrm>
+              <a:off x="10757" y="6715"/>
+              <a:ext cx="1848" cy="2024"/>
+            </a:xfrm>
+            <a:prstGeom prst="rect">
+              <a:avLst/>
+            </a:prstGeom>
+            <a:ln>
+              <a:solidFill>
+                <a:srgbClr val="00B050"/>
+              </a:solidFill>
+            </a:ln>
+          </p:spPr>
+        </p:pic>
+        <p:pic>
+          <p:nvPicPr>
+            <p:cNvPr id="14" name="图片 13" descr="graph (8)"/>
+            <p:cNvPicPr>
+              <a:picLocks noChangeAspect="1"/>
+            </p:cNvPicPr>
+            <p:nvPr/>
+          </p:nvPicPr>
+          <p:blipFill>
+            <a:blip r:embed="rId8"/>
+            <a:srcRect l="45261" t="4420" r="20870" b="67275"/>
+            <a:stretch>
+              <a:fillRect/>
+            </a:stretch>
+          </p:blipFill>
+          <p:spPr>
+            <a:xfrm>
+              <a:off x="13267" y="6715"/>
+              <a:ext cx="2337" cy="1953"/>
+            </a:xfrm>
+            <a:prstGeom prst="rect">
+              <a:avLst/>
+            </a:prstGeom>
+            <a:ln>
+              <a:solidFill>
+                <a:srgbClr val="00B050"/>
+              </a:solidFill>
+            </a:ln>
+          </p:spPr>
+        </p:pic>
+      </p:grpSp>
+    </p:spTree>
+    <p:custDataLst>
+      <p:tags r:id="rId9"/>
+    </p:custDataLst>
+  </p:cSld>
+  <p:clrMapOvr>
+    <a:masterClrMapping/>
+  </p:clrMapOvr>
+</p:sld>
+</file>
+
+<file path=ppt/slides/slide5.xml><?xml version="1.0" encoding="utf-8"?>
+<p:sld xmlns:a="http://schemas.openxmlformats.org/drawingml/2006/main" xmlns:r="http://schemas.openxmlformats.org/officeDocument/2006/relationships" xmlns:p="http://schemas.openxmlformats.org/presentationml/2006/main">
+  <p:cSld>
+    <p:spTree>
+      <p:nvGrpSpPr>
+        <p:cNvPr id="1" name=""/>
+        <p:cNvGrpSpPr/>
+        <p:nvPr/>
+      </p:nvGrpSpPr>
+      <p:grpSpPr/>
+      <p:grpSp>
+        <p:nvGrpSpPr>
+          <p:cNvPr id="4" name="组合 3"/>
+          <p:cNvGrpSpPr/>
+          <p:nvPr/>
+        </p:nvGrpSpPr>
+        <p:grpSpPr>
+          <a:xfrm>
+            <a:off x="1778000" y="1360805"/>
+            <a:ext cx="4200525" cy="2881630"/>
+            <a:chOff x="2800" y="2143"/>
+            <a:chExt cx="6615" cy="4538"/>
+          </a:xfrm>
+        </p:grpSpPr>
+        <p:pic>
+          <p:nvPicPr>
+            <p:cNvPr id="2" name="图片 1" descr="graph (9)"/>
+            <p:cNvPicPr>
+              <a:picLocks noChangeAspect="1"/>
+            </p:cNvPicPr>
+            <p:nvPr/>
+          </p:nvPicPr>
+          <p:blipFill>
+            <a:blip r:embed="rId1"/>
+            <a:srcRect l="28435" t="5551" r="26478" b="28696"/>
+            <a:stretch>
+              <a:fillRect/>
+            </a:stretch>
+          </p:blipFill>
+          <p:spPr>
+            <a:xfrm>
+              <a:off x="2800" y="2143"/>
+              <a:ext cx="3111" cy="4537"/>
+            </a:xfrm>
+            <a:prstGeom prst="rect">
+              <a:avLst/>
+            </a:prstGeom>
+            <a:ln>
+              <a:solidFill>
+                <a:srgbClr val="00B0F0"/>
+              </a:solidFill>
+            </a:ln>
+          </p:spPr>
+        </p:pic>
+        <p:pic>
+          <p:nvPicPr>
+            <p:cNvPr id="3" name="图片 2" descr="graph (10)"/>
+            <p:cNvPicPr>
+              <a:picLocks noChangeAspect="1"/>
+            </p:cNvPicPr>
+            <p:nvPr/>
+          </p:nvPicPr>
+          <p:blipFill>
+            <a:blip r:embed="rId2"/>
+            <a:srcRect l="27855" t="5304" r="28449" b="31493"/>
+            <a:stretch>
+              <a:fillRect/>
+            </a:stretch>
+          </p:blipFill>
+          <p:spPr>
+            <a:xfrm>
+              <a:off x="6401" y="2143"/>
+              <a:ext cx="3015" cy="4538"/>
+            </a:xfrm>
+            <a:prstGeom prst="rect">
+              <a:avLst/>
+            </a:prstGeom>
+            <a:ln>
+              <a:solidFill>
+                <a:srgbClr val="00B0F0"/>
+              </a:solidFill>
+            </a:ln>
+          </p:spPr>
+        </p:pic>
+      </p:grpSp>
+    </p:spTree>
+    <p:custDataLst>
+      <p:tags r:id="rId3"/>
+    </p:custDataLst>
+  </p:cSld>
+  <p:clrMapOvr>
+    <a:masterClrMapping/>
+  </p:clrMapOvr>
+</p:sld>
+</file>
+
 <file path=ppt/tags/tag1.xml><?xml version="1.0" encoding="utf-8"?>
 <p:tagLst xmlns:p="http://schemas.openxmlformats.org/presentationml/2006/main">
   <p:tag name="KSO_WM_UNIT_HIGHLIGHT" val="0"/>
@@ -4104,6 +4527,28 @@
 </file>
 
 <file path=ppt/tags/tag66.xml><?xml version="1.0" encoding="utf-8"?>
+<p:tagLst xmlns:p="http://schemas.openxmlformats.org/presentationml/2006/main">
+  <p:tag name="KSO_WM_BEAUTIFY_FLAG" val=""/>
+</p:tagLst>
+</file>
+
+<file path=ppt/tags/tag67.xml><?xml version="1.0" encoding="utf-8"?>
+<p:tagLst xmlns:p="http://schemas.openxmlformats.org/presentationml/2006/main">
+  <p:tag name="KSO_WM_BEAUTIFY_FLAG" val="#wm#"/>
+  <p:tag name="KSO_WM_TEMPLATE_CATEGORY" val="custom"/>
+  <p:tag name="KSO_WM_TEMPLATE_INDEX" val="20205176"/>
+</p:tagLst>
+</file>
+
+<file path=ppt/tags/tag68.xml><?xml version="1.0" encoding="utf-8"?>
+<p:tagLst xmlns:p="http://schemas.openxmlformats.org/presentationml/2006/main">
+  <p:tag name="KSO_WM_BEAUTIFY_FLAG" val="#wm#"/>
+  <p:tag name="KSO_WM_TEMPLATE_CATEGORY" val="custom"/>
+  <p:tag name="KSO_WM_TEMPLATE_INDEX" val="20205176"/>
+</p:tagLst>
+</file>
+
+<file path=ppt/tags/tag69.xml><?xml version="1.0" encoding="utf-8"?>
 <p:tagLst xmlns:p="http://schemas.openxmlformats.org/presentationml/2006/main">
   <p:tag name="COMMONDATA" val="eyJoZGlkIjoiMGNiYmI5YWVjOTk5ZjZhOWZjNGUxNjlhNTAzYmI0NWQifQ=="/>
   <p:tag name="KSO_WPP_MARK_KEY" val="c2104ff3-7694-476d-8b99-6d5c7f81cc34"/>

--- a/第五章 树与二叉树/5.4 树、森林/图.pptx
+++ b/第五章 树与二叉树/5.4 树、森林/图.pptx
@@ -10,11 +10,12 @@
     <p:sldId id="259" r:id="rId5"/>
     <p:sldId id="260" r:id="rId6"/>
     <p:sldId id="261" r:id="rId7"/>
+    <p:sldId id="262" r:id="rId8"/>
   </p:sldIdLst>
   <p:sldSz cx="12192000" cy="6858000"/>
   <p:notesSz cx="6858000" cy="9144000"/>
   <p:custDataLst>
-    <p:tags r:id="rId11"/>
+    <p:tags r:id="rId12"/>
   </p:custDataLst>
   <p:defaultTextStyle>
     <a:defPPr>
@@ -3731,6 +3732,102 @@
 </p:sld>
 </file>
 
+<file path=ppt/slides/slide6.xml><?xml version="1.0" encoding="utf-8"?>
+<p:sld xmlns:a="http://schemas.openxmlformats.org/drawingml/2006/main" xmlns:r="http://schemas.openxmlformats.org/officeDocument/2006/relationships" xmlns:p="http://schemas.openxmlformats.org/presentationml/2006/main">
+  <p:cSld>
+    <p:spTree>
+      <p:nvGrpSpPr>
+        <p:cNvPr id="1" name=""/>
+        <p:cNvGrpSpPr/>
+        <p:nvPr/>
+      </p:nvGrpSpPr>
+      <p:grpSpPr/>
+      <p:grpSp>
+        <p:nvGrpSpPr>
+          <p:cNvPr id="4" name="组合 3"/>
+          <p:cNvGrpSpPr/>
+          <p:nvPr/>
+        </p:nvGrpSpPr>
+        <p:grpSpPr>
+          <a:xfrm>
+            <a:off x="1183640" y="929640"/>
+            <a:ext cx="5061585" cy="2216150"/>
+            <a:chOff x="1864" y="1464"/>
+            <a:chExt cx="7971" cy="3490"/>
+          </a:xfrm>
+        </p:grpSpPr>
+        <p:pic>
+          <p:nvPicPr>
+            <p:cNvPr id="2" name="图片 1" descr="graph (11)"/>
+            <p:cNvPicPr>
+              <a:picLocks noChangeAspect="1"/>
+            </p:cNvPicPr>
+            <p:nvPr/>
+          </p:nvPicPr>
+          <p:blipFill>
+            <a:blip r:embed="rId1"/>
+            <a:srcRect l="21986" t="15652" r="26609" b="34609"/>
+            <a:stretch>
+              <a:fillRect/>
+            </a:stretch>
+          </p:blipFill>
+          <p:spPr>
+            <a:xfrm>
+              <a:off x="1864" y="1464"/>
+              <a:ext cx="3547" cy="3432"/>
+            </a:xfrm>
+            <a:prstGeom prst="rect">
+              <a:avLst/>
+            </a:prstGeom>
+            <a:ln>
+              <a:solidFill>
+                <a:schemeClr val="accent1"/>
+              </a:solidFill>
+            </a:ln>
+          </p:spPr>
+        </p:pic>
+        <p:pic>
+          <p:nvPicPr>
+            <p:cNvPr id="3" name="图片 2" descr="graph"/>
+            <p:cNvPicPr>
+              <a:picLocks noChangeAspect="1"/>
+            </p:cNvPicPr>
+            <p:nvPr/>
+          </p:nvPicPr>
+          <p:blipFill>
+            <a:blip r:embed="rId2"/>
+            <a:srcRect l="21580" t="14986" r="24725" b="34435"/>
+            <a:stretch>
+              <a:fillRect/>
+            </a:stretch>
+          </p:blipFill>
+          <p:spPr>
+            <a:xfrm>
+              <a:off x="6131" y="1464"/>
+              <a:ext cx="3705" cy="3490"/>
+            </a:xfrm>
+            <a:prstGeom prst="rect">
+              <a:avLst/>
+            </a:prstGeom>
+            <a:ln>
+              <a:solidFill>
+                <a:srgbClr val="FF0000"/>
+              </a:solidFill>
+            </a:ln>
+          </p:spPr>
+        </p:pic>
+      </p:grpSp>
+    </p:spTree>
+    <p:custDataLst>
+      <p:tags r:id="rId3"/>
+    </p:custDataLst>
+  </p:cSld>
+  <p:clrMapOvr>
+    <a:masterClrMapping/>
+  </p:clrMapOvr>
+</p:sld>
+</file>
+
 <file path=ppt/tags/tag1.xml><?xml version="1.0" encoding="utf-8"?>
 <p:tagLst xmlns:p="http://schemas.openxmlformats.org/presentationml/2006/main">
   <p:tag name="KSO_WM_UNIT_HIGHLIGHT" val="0"/>
@@ -4550,21 +4647,29 @@
 
 <file path=ppt/tags/tag69.xml><?xml version="1.0" encoding="utf-8"?>
 <p:tagLst xmlns:p="http://schemas.openxmlformats.org/presentationml/2006/main">
+  <p:tag name="KSO_WM_BEAUTIFY_FLAG" val="#wm#"/>
+  <p:tag name="KSO_WM_TEMPLATE_CATEGORY" val="custom"/>
+  <p:tag name="KSO_WM_TEMPLATE_INDEX" val="20205176"/>
+</p:tagLst>
+</file>
+
+<file path=ppt/tags/tag7.xml><?xml version="1.0" encoding="utf-8"?>
+<p:tagLst xmlns:p="http://schemas.openxmlformats.org/presentationml/2006/main">
+  <p:tag name="KSO_WM_UNIT_HIGHLIGHT" val="0"/>
+  <p:tag name="KSO_WM_UNIT_COMPATIBLE" val="0"/>
+  <p:tag name="KSO_WM_UNIT_DIAGRAM_ISNUMVISUAL" val="0"/>
+  <p:tag name="KSO_WM_UNIT_DIAGRAM_ISREFERUNIT" val="0"/>
+  <p:tag name="KSO_WM_UNIT_ID" val="_2**"/>
+  <p:tag name="KSO_WM_UNIT_LAYERLEVEL" val="1"/>
+  <p:tag name="KSO_WM_TAG_VERSION" val="1.0"/>
+  <p:tag name="KSO_WM_BEAUTIFY_FLAG" val="#wm#"/>
+</p:tagLst>
+</file>
+
+<file path=ppt/tags/tag70.xml><?xml version="1.0" encoding="utf-8"?>
+<p:tagLst xmlns:p="http://schemas.openxmlformats.org/presentationml/2006/main">
   <p:tag name="COMMONDATA" val="eyJoZGlkIjoiMGNiYmI5YWVjOTk5ZjZhOWZjNGUxNjlhNTAzYmI0NWQifQ=="/>
   <p:tag name="KSO_WPP_MARK_KEY" val="c2104ff3-7694-476d-8b99-6d5c7f81cc34"/>
-</p:tagLst>
-</file>
-
-<file path=ppt/tags/tag7.xml><?xml version="1.0" encoding="utf-8"?>
-<p:tagLst xmlns:p="http://schemas.openxmlformats.org/presentationml/2006/main">
-  <p:tag name="KSO_WM_UNIT_HIGHLIGHT" val="0"/>
-  <p:tag name="KSO_WM_UNIT_COMPATIBLE" val="0"/>
-  <p:tag name="KSO_WM_UNIT_DIAGRAM_ISNUMVISUAL" val="0"/>
-  <p:tag name="KSO_WM_UNIT_DIAGRAM_ISREFERUNIT" val="0"/>
-  <p:tag name="KSO_WM_UNIT_ID" val="_2**"/>
-  <p:tag name="KSO_WM_UNIT_LAYERLEVEL" val="1"/>
-  <p:tag name="KSO_WM_TAG_VERSION" val="1.0"/>
-  <p:tag name="KSO_WM_BEAUTIFY_FLAG" val="#wm#"/>
 </p:tagLst>
 </file>
 

--- a/第五章 树与二叉树/5.4 树、森林/图.pptx
+++ b/第五章 树与二叉树/5.4 树、森林/图.pptx
@@ -11,11 +11,12 @@
     <p:sldId id="260" r:id="rId6"/>
     <p:sldId id="261" r:id="rId7"/>
     <p:sldId id="262" r:id="rId8"/>
+    <p:sldId id="263" r:id="rId9"/>
   </p:sldIdLst>
   <p:sldSz cx="12192000" cy="6858000"/>
   <p:notesSz cx="6858000" cy="9144000"/>
   <p:custDataLst>
-    <p:tags r:id="rId12"/>
+    <p:tags r:id="rId13"/>
   </p:custDataLst>
   <p:defaultTextStyle>
     <a:defPPr>
@@ -3828,6 +3829,57 @@
 </p:sld>
 </file>
 
+<file path=ppt/slides/slide7.xml><?xml version="1.0" encoding="utf-8"?>
+<p:sld xmlns:a="http://schemas.openxmlformats.org/drawingml/2006/main" xmlns:r="http://schemas.openxmlformats.org/officeDocument/2006/relationships" xmlns:p="http://schemas.openxmlformats.org/presentationml/2006/main">
+  <p:cSld>
+    <p:spTree>
+      <p:nvGrpSpPr>
+        <p:cNvPr id="1" name=""/>
+        <p:cNvGrpSpPr/>
+        <p:nvPr/>
+      </p:nvGrpSpPr>
+      <p:grpSpPr/>
+      <p:pic>
+        <p:nvPicPr>
+          <p:cNvPr id="3" name="图片 2" descr="graph (1)"/>
+          <p:cNvPicPr>
+            <a:picLocks noChangeAspect="1"/>
+          </p:cNvPicPr>
+          <p:nvPr/>
+        </p:nvPicPr>
+        <p:blipFill>
+          <a:blip r:embed="rId1"/>
+          <a:srcRect l="8246" t="5029" r="3290" b="14826"/>
+          <a:stretch>
+            <a:fillRect/>
+          </a:stretch>
+        </p:blipFill>
+        <p:spPr>
+          <a:xfrm>
+            <a:off x="4266565" y="1458595"/>
+            <a:ext cx="3876040" cy="3511550"/>
+          </a:xfrm>
+          <a:prstGeom prst="rect">
+            <a:avLst/>
+          </a:prstGeom>
+          <a:ln>
+            <a:solidFill>
+              <a:schemeClr val="accent1"/>
+            </a:solidFill>
+          </a:ln>
+        </p:spPr>
+      </p:pic>
+    </p:spTree>
+    <p:custDataLst>
+      <p:tags r:id="rId2"/>
+    </p:custDataLst>
+  </p:cSld>
+  <p:clrMapOvr>
+    <a:masterClrMapping/>
+  </p:clrMapOvr>
+</p:sld>
+</file>
+
 <file path=ppt/tags/tag1.xml><?xml version="1.0" encoding="utf-8"?>
 <p:tagLst xmlns:p="http://schemas.openxmlformats.org/presentationml/2006/main">
   <p:tag name="KSO_WM_UNIT_HIGHLIGHT" val="0"/>
@@ -4667,6 +4719,14 @@
 </file>
 
 <file path=ppt/tags/tag70.xml><?xml version="1.0" encoding="utf-8"?>
+<p:tagLst xmlns:p="http://schemas.openxmlformats.org/presentationml/2006/main">
+  <p:tag name="KSO_WM_BEAUTIFY_FLAG" val="#wm#"/>
+  <p:tag name="KSO_WM_TEMPLATE_CATEGORY" val="custom"/>
+  <p:tag name="KSO_WM_TEMPLATE_INDEX" val="20205176"/>
+</p:tagLst>
+</file>
+
+<file path=ppt/tags/tag71.xml><?xml version="1.0" encoding="utf-8"?>
 <p:tagLst xmlns:p="http://schemas.openxmlformats.org/presentationml/2006/main">
   <p:tag name="COMMONDATA" val="eyJoZGlkIjoiMGNiYmI5YWVjOTk5ZjZhOWZjNGUxNjlhNTAzYmI0NWQifQ=="/>
   <p:tag name="KSO_WPP_MARK_KEY" val="c2104ff3-7694-476d-8b99-6d5c7f81cc34"/>

--- a/第五章 树与二叉树/5.4 树、森林/图.pptx
+++ b/第五章 树与二叉树/5.4 树、森林/图.pptx
@@ -12,11 +12,12 @@
     <p:sldId id="261" r:id="rId7"/>
     <p:sldId id="262" r:id="rId8"/>
     <p:sldId id="263" r:id="rId9"/>
+    <p:sldId id="264" r:id="rId10"/>
   </p:sldIdLst>
   <p:sldSz cx="12192000" cy="6858000"/>
   <p:notesSz cx="6858000" cy="9144000"/>
   <p:custDataLst>
-    <p:tags r:id="rId13"/>
+    <p:tags r:id="rId14"/>
   </p:custDataLst>
   <p:defaultTextStyle>
     <a:defPPr>
@@ -3880,6 +3881,102 @@
 </p:sld>
 </file>
 
+<file path=ppt/slides/slide8.xml><?xml version="1.0" encoding="utf-8"?>
+<p:sld xmlns:a="http://schemas.openxmlformats.org/drawingml/2006/main" xmlns:r="http://schemas.openxmlformats.org/officeDocument/2006/relationships" xmlns:p="http://schemas.openxmlformats.org/presentationml/2006/main">
+  <p:cSld>
+    <p:spTree>
+      <p:nvGrpSpPr>
+        <p:cNvPr id="1" name=""/>
+        <p:cNvGrpSpPr/>
+        <p:nvPr/>
+      </p:nvGrpSpPr>
+      <p:grpSpPr/>
+      <p:grpSp>
+        <p:nvGrpSpPr>
+          <p:cNvPr id="4" name="组合 3"/>
+          <p:cNvGrpSpPr/>
+          <p:nvPr/>
+        </p:nvGrpSpPr>
+        <p:grpSpPr>
+          <a:xfrm>
+            <a:off x="1075055" y="583565"/>
+            <a:ext cx="7861300" cy="2571750"/>
+            <a:chOff x="1693" y="919"/>
+            <a:chExt cx="12380" cy="4050"/>
+          </a:xfrm>
+        </p:grpSpPr>
+        <p:pic>
+          <p:nvPicPr>
+            <p:cNvPr id="2" name="图片 1" descr="graph"/>
+            <p:cNvPicPr>
+              <a:picLocks noChangeAspect="1"/>
+            </p:cNvPicPr>
+            <p:nvPr/>
+          </p:nvPicPr>
+          <p:blipFill>
+            <a:blip r:embed="rId1"/>
+            <a:srcRect l="10391" t="10029" r="6783" b="31275"/>
+            <a:stretch>
+              <a:fillRect/>
+            </a:stretch>
+          </p:blipFill>
+          <p:spPr>
+            <a:xfrm>
+              <a:off x="1693" y="919"/>
+              <a:ext cx="5715" cy="4050"/>
+            </a:xfrm>
+            <a:prstGeom prst="rect">
+              <a:avLst/>
+            </a:prstGeom>
+            <a:ln>
+              <a:solidFill>
+                <a:schemeClr val="accent1"/>
+              </a:solidFill>
+            </a:ln>
+          </p:spPr>
+        </p:pic>
+        <p:pic>
+          <p:nvPicPr>
+            <p:cNvPr id="3" name="图片 2" descr="graph (1)"/>
+            <p:cNvPicPr>
+              <a:picLocks noChangeAspect="1"/>
+            </p:cNvPicPr>
+            <p:nvPr/>
+          </p:nvPicPr>
+          <p:blipFill>
+            <a:blip r:embed="rId2"/>
+            <a:srcRect l="4087" t="23101" r="4551" b="35058"/>
+            <a:stretch>
+              <a:fillRect/>
+            </a:stretch>
+          </p:blipFill>
+          <p:spPr>
+            <a:xfrm>
+              <a:off x="7769" y="1501"/>
+              <a:ext cx="6304" cy="2887"/>
+            </a:xfrm>
+            <a:prstGeom prst="rect">
+              <a:avLst/>
+            </a:prstGeom>
+            <a:ln>
+              <a:solidFill>
+                <a:srgbClr val="00B050"/>
+              </a:solidFill>
+            </a:ln>
+          </p:spPr>
+        </p:pic>
+      </p:grpSp>
+    </p:spTree>
+    <p:custDataLst>
+      <p:tags r:id="rId3"/>
+    </p:custDataLst>
+  </p:cSld>
+  <p:clrMapOvr>
+    <a:masterClrMapping/>
+  </p:clrMapOvr>
+</p:sld>
+</file>
+
 <file path=ppt/tags/tag1.xml><?xml version="1.0" encoding="utf-8"?>
 <p:tagLst xmlns:p="http://schemas.openxmlformats.org/presentationml/2006/main">
   <p:tag name="KSO_WM_UNIT_HIGHLIGHT" val="0"/>
@@ -4727,6 +4824,14 @@
 </file>
 
 <file path=ppt/tags/tag71.xml><?xml version="1.0" encoding="utf-8"?>
+<p:tagLst xmlns:p="http://schemas.openxmlformats.org/presentationml/2006/main">
+  <p:tag name="KSO_WM_BEAUTIFY_FLAG" val="#wm#"/>
+  <p:tag name="KSO_WM_TEMPLATE_CATEGORY" val="custom"/>
+  <p:tag name="KSO_WM_TEMPLATE_INDEX" val="20205176"/>
+</p:tagLst>
+</file>
+
+<file path=ppt/tags/tag72.xml><?xml version="1.0" encoding="utf-8"?>
 <p:tagLst xmlns:p="http://schemas.openxmlformats.org/presentationml/2006/main">
   <p:tag name="COMMONDATA" val="eyJoZGlkIjoiMGNiYmI5YWVjOTk5ZjZhOWZjNGUxNjlhNTAzYmI0NWQifQ=="/>
   <p:tag name="KSO_WPP_MARK_KEY" val="c2104ff3-7694-476d-8b99-6d5c7f81cc34"/>

--- a/第五章 树与二叉树/5.4 树、森林/图.pptx
+++ b/第五章 树与二叉树/5.4 树、森林/图.pptx
@@ -13,11 +13,12 @@
     <p:sldId id="262" r:id="rId8"/>
     <p:sldId id="263" r:id="rId9"/>
     <p:sldId id="264" r:id="rId10"/>
+    <p:sldId id="265" r:id="rId11"/>
   </p:sldIdLst>
   <p:sldSz cx="12192000" cy="6858000"/>
   <p:notesSz cx="6858000" cy="9144000"/>
   <p:custDataLst>
-    <p:tags r:id="rId14"/>
+    <p:tags r:id="rId15"/>
   </p:custDataLst>
   <p:defaultTextStyle>
     <a:defPPr>
@@ -117,12 +118,12 @@
   <p:extLst>
     <p:ext uri="{EFAFB233-063F-42B5-8137-9DF3F51BA10A}">
       <p15:sldGuideLst xmlns:p15="http://schemas.microsoft.com/office/powerpoint/2012/main">
-        <p15:guide id="1" orient="horz" pos="2160" userDrawn="1">
+        <p15:guide id="1" orient="horz" pos="2206" userDrawn="1">
           <p15:clr>
             <a:srgbClr val="A4A3A4"/>
           </p15:clr>
         </p15:guide>
-        <p15:guide id="2" pos="3840" userDrawn="1">
+        <p15:guide id="2" pos="3853" userDrawn="1">
           <p15:clr>
             <a:srgbClr val="A4A3A4"/>
           </p15:clr>
@@ -3977,6 +3978,1581 @@
 </p:sld>
 </file>
 
+<file path=ppt/slides/slide9.xml><?xml version="1.0" encoding="utf-8"?>
+<p:sld xmlns:a="http://schemas.openxmlformats.org/drawingml/2006/main" xmlns:r="http://schemas.openxmlformats.org/officeDocument/2006/relationships" xmlns:p="http://schemas.openxmlformats.org/presentationml/2006/main">
+  <p:cSld>
+    <p:spTree>
+      <p:nvGrpSpPr>
+        <p:cNvPr id="1" name=""/>
+        <p:cNvGrpSpPr/>
+        <p:nvPr/>
+      </p:nvGrpSpPr>
+      <p:grpSpPr/>
+      <p:grpSp>
+        <p:nvGrpSpPr>
+          <p:cNvPr id="40" name="组合 39"/>
+          <p:cNvGrpSpPr/>
+          <p:nvPr/>
+        </p:nvGrpSpPr>
+        <p:grpSpPr>
+          <a:xfrm>
+            <a:off x="527050" y="643255"/>
+            <a:ext cx="8117840" cy="3479165"/>
+            <a:chOff x="830" y="1013"/>
+            <a:chExt cx="12784" cy="5479"/>
+          </a:xfrm>
+        </p:grpSpPr>
+        <p:pic>
+          <p:nvPicPr>
+            <p:cNvPr id="2" name="图片 1" descr="graph"/>
+            <p:cNvPicPr>
+              <a:picLocks noChangeAspect="1"/>
+            </p:cNvPicPr>
+            <p:nvPr/>
+          </p:nvPicPr>
+          <p:blipFill>
+            <a:blip r:embed="rId1"/>
+            <a:srcRect l="3870" t="5449" r="4754" b="15667"/>
+            <a:stretch>
+              <a:fillRect/>
+            </a:stretch>
+          </p:blipFill>
+          <p:spPr>
+            <a:xfrm>
+              <a:off x="830" y="1033"/>
+              <a:ext cx="6305" cy="5443"/>
+            </a:xfrm>
+            <a:prstGeom prst="rect">
+              <a:avLst/>
+            </a:prstGeom>
+            <a:ln>
+              <a:solidFill>
+                <a:schemeClr val="accent1"/>
+              </a:solidFill>
+            </a:ln>
+          </p:spPr>
+        </p:pic>
+        <p:sp>
+          <p:nvSpPr>
+            <p:cNvPr id="3" name="文本框 2"/>
+            <p:cNvSpPr txBox="1"/>
+            <p:nvPr/>
+          </p:nvSpPr>
+          <p:spPr>
+            <a:xfrm>
+              <a:off x="3588" y="2607"/>
+              <a:ext cx="897" cy="725"/>
+            </a:xfrm>
+            <a:prstGeom prst="rect">
+              <a:avLst/>
+            </a:prstGeom>
+            <a:noFill/>
+          </p:spPr>
+          <p:txBody>
+            <a:bodyPr wrap="square" rtlCol="0">
+              <a:spAutoFit/>
+            </a:bodyPr>
+            <a:p>
+              <a:r>
+                <a:rPr lang="zh-CN" altLang="en-US" sz="2400" b="1">
+                  <a:solidFill>
+                    <a:srgbClr val="FF0000"/>
+                  </a:solidFill>
+                  <a:latin typeface="楷体" panose="02010609060101010101" charset="-122"/>
+                  <a:ea typeface="楷体" panose="02010609060101010101" charset="-122"/>
+                  <a:cs typeface="Consolas" panose="020B0609020204030204" charset="0"/>
+                </a:rPr>
+                <a:t>…</a:t>
+              </a:r>
+              <a:endParaRPr lang="zh-CN" altLang="en-US" sz="2400" b="1">
+                <a:solidFill>
+                  <a:srgbClr val="FF0000"/>
+                </a:solidFill>
+                <a:latin typeface="楷体" panose="02010609060101010101" charset="-122"/>
+                <a:ea typeface="楷体" panose="02010609060101010101" charset="-122"/>
+                <a:cs typeface="Consolas" panose="020B0609020204030204" charset="0"/>
+              </a:endParaRPr>
+            </a:p>
+          </p:txBody>
+        </p:sp>
+        <p:sp>
+          <p:nvSpPr>
+            <p:cNvPr id="4" name="文本框 3"/>
+            <p:cNvSpPr txBox="1"/>
+            <p:nvPr>
+              <p:custDataLst>
+                <p:tags r:id="rId2"/>
+              </p:custDataLst>
+            </p:nvPr>
+          </p:nvSpPr>
+          <p:spPr>
+            <a:xfrm>
+              <a:off x="2022" y="4138"/>
+              <a:ext cx="897" cy="725"/>
+            </a:xfrm>
+            <a:prstGeom prst="rect">
+              <a:avLst/>
+            </a:prstGeom>
+            <a:noFill/>
+          </p:spPr>
+          <p:txBody>
+            <a:bodyPr wrap="square" rtlCol="0">
+              <a:spAutoFit/>
+            </a:bodyPr>
+            <a:p>
+              <a:r>
+                <a:rPr lang="zh-CN" altLang="en-US" sz="2400" b="1">
+                  <a:solidFill>
+                    <a:srgbClr val="FF0000"/>
+                  </a:solidFill>
+                  <a:latin typeface="楷体" panose="02010609060101010101" charset="-122"/>
+                  <a:ea typeface="楷体" panose="02010609060101010101" charset="-122"/>
+                  <a:cs typeface="Consolas" panose="020B0609020204030204" charset="0"/>
+                </a:rPr>
+                <a:t>…</a:t>
+              </a:r>
+              <a:endParaRPr lang="zh-CN" altLang="en-US" sz="2400" b="1">
+                <a:solidFill>
+                  <a:srgbClr val="FF0000"/>
+                </a:solidFill>
+                <a:latin typeface="楷体" panose="02010609060101010101" charset="-122"/>
+                <a:ea typeface="楷体" panose="02010609060101010101" charset="-122"/>
+                <a:cs typeface="Consolas" panose="020B0609020204030204" charset="0"/>
+              </a:endParaRPr>
+            </a:p>
+          </p:txBody>
+        </p:sp>
+        <p:sp>
+          <p:nvSpPr>
+            <p:cNvPr id="5" name="文本框 4"/>
+            <p:cNvSpPr txBox="1"/>
+            <p:nvPr>
+              <p:custDataLst>
+                <p:tags r:id="rId3"/>
+              </p:custDataLst>
+            </p:nvPr>
+          </p:nvSpPr>
+          <p:spPr>
+            <a:xfrm>
+              <a:off x="5160" y="4138"/>
+              <a:ext cx="897" cy="725"/>
+            </a:xfrm>
+            <a:prstGeom prst="rect">
+              <a:avLst/>
+            </a:prstGeom>
+            <a:noFill/>
+          </p:spPr>
+          <p:txBody>
+            <a:bodyPr wrap="square" rtlCol="0">
+              <a:spAutoFit/>
+            </a:bodyPr>
+            <a:p>
+              <a:r>
+                <a:rPr lang="zh-CN" altLang="en-US" sz="2400" b="1">
+                  <a:solidFill>
+                    <a:srgbClr val="FF0000"/>
+                  </a:solidFill>
+                  <a:latin typeface="楷体" panose="02010609060101010101" charset="-122"/>
+                  <a:ea typeface="楷体" panose="02010609060101010101" charset="-122"/>
+                  <a:cs typeface="Consolas" panose="020B0609020204030204" charset="0"/>
+                </a:rPr>
+                <a:t>…</a:t>
+              </a:r>
+              <a:endParaRPr lang="zh-CN" altLang="en-US" sz="2400" b="1">
+                <a:solidFill>
+                  <a:srgbClr val="FF0000"/>
+                </a:solidFill>
+                <a:latin typeface="楷体" panose="02010609060101010101" charset="-122"/>
+                <a:ea typeface="楷体" panose="02010609060101010101" charset="-122"/>
+                <a:cs typeface="Consolas" panose="020B0609020204030204" charset="0"/>
+              </a:endParaRPr>
+            </a:p>
+          </p:txBody>
+        </p:sp>
+        <p:sp>
+          <p:nvSpPr>
+            <p:cNvPr id="6" name="文本框 5"/>
+            <p:cNvSpPr txBox="1"/>
+            <p:nvPr>
+              <p:custDataLst>
+                <p:tags r:id="rId4"/>
+              </p:custDataLst>
+            </p:nvPr>
+          </p:nvSpPr>
+          <p:spPr>
+            <a:xfrm>
+              <a:off x="1125" y="5751"/>
+              <a:ext cx="897" cy="725"/>
+            </a:xfrm>
+            <a:prstGeom prst="rect">
+              <a:avLst/>
+            </a:prstGeom>
+            <a:noFill/>
+          </p:spPr>
+          <p:txBody>
+            <a:bodyPr wrap="square" rtlCol="0">
+              <a:spAutoFit/>
+            </a:bodyPr>
+            <a:p>
+              <a:r>
+                <a:rPr lang="zh-CN" altLang="en-US" sz="2400" b="1">
+                  <a:solidFill>
+                    <a:srgbClr val="FF0000"/>
+                  </a:solidFill>
+                  <a:latin typeface="楷体" panose="02010609060101010101" charset="-122"/>
+                  <a:ea typeface="楷体" panose="02010609060101010101" charset="-122"/>
+                  <a:cs typeface="Consolas" panose="020B0609020204030204" charset="0"/>
+                </a:rPr>
+                <a:t>…</a:t>
+              </a:r>
+              <a:endParaRPr lang="zh-CN" altLang="en-US" sz="2400" b="1">
+                <a:solidFill>
+                  <a:srgbClr val="FF0000"/>
+                </a:solidFill>
+                <a:latin typeface="楷体" panose="02010609060101010101" charset="-122"/>
+                <a:ea typeface="楷体" panose="02010609060101010101" charset="-122"/>
+                <a:cs typeface="Consolas" panose="020B0609020204030204" charset="0"/>
+              </a:endParaRPr>
+            </a:p>
+          </p:txBody>
+        </p:sp>
+        <p:sp>
+          <p:nvSpPr>
+            <p:cNvPr id="7" name="文本框 6"/>
+            <p:cNvSpPr txBox="1"/>
+            <p:nvPr>
+              <p:custDataLst>
+                <p:tags r:id="rId5"/>
+              </p:custDataLst>
+            </p:nvPr>
+          </p:nvSpPr>
+          <p:spPr>
+            <a:xfrm>
+              <a:off x="2691" y="5751"/>
+              <a:ext cx="897" cy="725"/>
+            </a:xfrm>
+            <a:prstGeom prst="rect">
+              <a:avLst/>
+            </a:prstGeom>
+            <a:noFill/>
+          </p:spPr>
+          <p:txBody>
+            <a:bodyPr wrap="square" rtlCol="0">
+              <a:spAutoFit/>
+            </a:bodyPr>
+            <a:p>
+              <a:r>
+                <a:rPr lang="zh-CN" altLang="en-US" sz="2400" b="1">
+                  <a:solidFill>
+                    <a:srgbClr val="FF0000"/>
+                  </a:solidFill>
+                  <a:latin typeface="楷体" panose="02010609060101010101" charset="-122"/>
+                  <a:ea typeface="楷体" panose="02010609060101010101" charset="-122"/>
+                  <a:cs typeface="Consolas" panose="020B0609020204030204" charset="0"/>
+                </a:rPr>
+                <a:t>…</a:t>
+              </a:r>
+              <a:endParaRPr lang="zh-CN" altLang="en-US" sz="2400" b="1">
+                <a:solidFill>
+                  <a:srgbClr val="FF0000"/>
+                </a:solidFill>
+                <a:latin typeface="楷体" panose="02010609060101010101" charset="-122"/>
+                <a:ea typeface="楷体" panose="02010609060101010101" charset="-122"/>
+                <a:cs typeface="Consolas" panose="020B0609020204030204" charset="0"/>
+              </a:endParaRPr>
+            </a:p>
+          </p:txBody>
+        </p:sp>
+        <p:sp>
+          <p:nvSpPr>
+            <p:cNvPr id="8" name="文本框 7"/>
+            <p:cNvSpPr txBox="1"/>
+            <p:nvPr>
+              <p:custDataLst>
+                <p:tags r:id="rId6"/>
+              </p:custDataLst>
+            </p:nvPr>
+          </p:nvSpPr>
+          <p:spPr>
+            <a:xfrm>
+              <a:off x="4399" y="5751"/>
+              <a:ext cx="897" cy="725"/>
+            </a:xfrm>
+            <a:prstGeom prst="rect">
+              <a:avLst/>
+            </a:prstGeom>
+            <a:noFill/>
+          </p:spPr>
+          <p:txBody>
+            <a:bodyPr wrap="square" rtlCol="0">
+              <a:spAutoFit/>
+            </a:bodyPr>
+            <a:p>
+              <a:r>
+                <a:rPr lang="zh-CN" altLang="en-US" sz="2400" b="1">
+                  <a:solidFill>
+                    <a:srgbClr val="FF0000"/>
+                  </a:solidFill>
+                  <a:latin typeface="楷体" panose="02010609060101010101" charset="-122"/>
+                  <a:ea typeface="楷体" panose="02010609060101010101" charset="-122"/>
+                  <a:cs typeface="Consolas" panose="020B0609020204030204" charset="0"/>
+                </a:rPr>
+                <a:t>…</a:t>
+              </a:r>
+              <a:endParaRPr lang="zh-CN" altLang="en-US" sz="2400" b="1">
+                <a:solidFill>
+                  <a:srgbClr val="FF0000"/>
+                </a:solidFill>
+                <a:latin typeface="楷体" panose="02010609060101010101" charset="-122"/>
+                <a:ea typeface="楷体" panose="02010609060101010101" charset="-122"/>
+                <a:cs typeface="Consolas" panose="020B0609020204030204" charset="0"/>
+              </a:endParaRPr>
+            </a:p>
+          </p:txBody>
+        </p:sp>
+        <p:sp>
+          <p:nvSpPr>
+            <p:cNvPr id="9" name="文本框 8"/>
+            <p:cNvSpPr txBox="1"/>
+            <p:nvPr>
+              <p:custDataLst>
+                <p:tags r:id="rId7"/>
+              </p:custDataLst>
+            </p:nvPr>
+          </p:nvSpPr>
+          <p:spPr>
+            <a:xfrm>
+              <a:off x="5961" y="5647"/>
+              <a:ext cx="897" cy="725"/>
+            </a:xfrm>
+            <a:prstGeom prst="rect">
+              <a:avLst/>
+            </a:prstGeom>
+            <a:noFill/>
+          </p:spPr>
+          <p:txBody>
+            <a:bodyPr wrap="square" rtlCol="0">
+              <a:spAutoFit/>
+            </a:bodyPr>
+            <a:p>
+              <a:r>
+                <a:rPr lang="zh-CN" altLang="en-US" sz="2400" b="1">
+                  <a:solidFill>
+                    <a:srgbClr val="FF0000"/>
+                  </a:solidFill>
+                  <a:latin typeface="楷体" panose="02010609060101010101" charset="-122"/>
+                  <a:ea typeface="楷体" panose="02010609060101010101" charset="-122"/>
+                  <a:cs typeface="Consolas" panose="020B0609020204030204" charset="0"/>
+                </a:rPr>
+                <a:t>…</a:t>
+              </a:r>
+              <a:endParaRPr lang="zh-CN" altLang="en-US" sz="2400" b="1">
+                <a:solidFill>
+                  <a:srgbClr val="FF0000"/>
+                </a:solidFill>
+                <a:latin typeface="楷体" panose="02010609060101010101" charset="-122"/>
+                <a:ea typeface="楷体" panose="02010609060101010101" charset="-122"/>
+                <a:cs typeface="Consolas" panose="020B0609020204030204" charset="0"/>
+              </a:endParaRPr>
+            </a:p>
+          </p:txBody>
+        </p:sp>
+        <p:sp>
+          <p:nvSpPr>
+            <p:cNvPr id="10" name="矩形 9"/>
+            <p:cNvSpPr/>
+            <p:nvPr/>
+          </p:nvSpPr>
+          <p:spPr>
+            <a:xfrm>
+              <a:off x="1496" y="2281"/>
+              <a:ext cx="5026" cy="1263"/>
+            </a:xfrm>
+            <a:prstGeom prst="rect">
+              <a:avLst/>
+            </a:prstGeom>
+            <a:solidFill>
+              <a:schemeClr val="accent3">
+                <a:lumMod val="40000"/>
+                <a:lumOff val="60000"/>
+                <a:alpha val="49000"/>
+              </a:schemeClr>
+            </a:solidFill>
+          </p:spPr>
+          <p:style>
+            <a:lnRef idx="2">
+              <a:schemeClr val="accent1">
+                <a:shade val="50000"/>
+              </a:schemeClr>
+            </a:lnRef>
+            <a:fillRef idx="1">
+              <a:schemeClr val="accent1"/>
+            </a:fillRef>
+            <a:effectRef idx="0">
+              <a:schemeClr val="accent1"/>
+            </a:effectRef>
+            <a:fontRef idx="minor">
+              <a:schemeClr val="lt1"/>
+            </a:fontRef>
+          </p:style>
+          <p:txBody>
+            <a:bodyPr rtlCol="0" anchor="ctr"/>
+            <a:p>
+              <a:pPr algn="ctr"/>
+              <a:endParaRPr lang="zh-CN" altLang="en-US"/>
+            </a:p>
+          </p:txBody>
+        </p:sp>
+        <p:sp>
+          <p:nvSpPr>
+            <p:cNvPr id="11" name="文本框 10"/>
+            <p:cNvSpPr txBox="1"/>
+            <p:nvPr/>
+          </p:nvSpPr>
+          <p:spPr>
+            <a:xfrm>
+              <a:off x="1645" y="2566"/>
+              <a:ext cx="286" cy="580"/>
+            </a:xfrm>
+            <a:prstGeom prst="rect">
+              <a:avLst/>
+            </a:prstGeom>
+            <a:noFill/>
+          </p:spPr>
+          <p:txBody>
+            <a:bodyPr wrap="square" rtlCol="0">
+              <a:spAutoFit/>
+            </a:bodyPr>
+            <a:p>
+              <a:r>
+                <a:rPr lang="en-US" altLang="zh-CN" b="1">
+                  <a:solidFill>
+                    <a:srgbClr val="7030A0"/>
+                  </a:solidFill>
+                </a:rPr>
+                <a:t>k</a:t>
+              </a:r>
+              <a:endParaRPr lang="en-US" altLang="zh-CN" b="1">
+                <a:solidFill>
+                  <a:srgbClr val="7030A0"/>
+                </a:solidFill>
+              </a:endParaRPr>
+            </a:p>
+          </p:txBody>
+        </p:sp>
+        <p:sp>
+          <p:nvSpPr>
+            <p:cNvPr id="12" name="矩形 11"/>
+            <p:cNvSpPr/>
+            <p:nvPr/>
+          </p:nvSpPr>
+          <p:spPr>
+            <a:xfrm>
+              <a:off x="1034" y="3965"/>
+              <a:ext cx="2880" cy="1060"/>
+            </a:xfrm>
+            <a:prstGeom prst="rect">
+              <a:avLst/>
+            </a:prstGeom>
+            <a:solidFill>
+              <a:schemeClr val="accent4">
+                <a:lumMod val="60000"/>
+                <a:lumOff val="40000"/>
+                <a:alpha val="51000"/>
+              </a:schemeClr>
+            </a:solidFill>
+          </p:spPr>
+          <p:style>
+            <a:lnRef idx="2">
+              <a:schemeClr val="accent1">
+                <a:shade val="50000"/>
+              </a:schemeClr>
+            </a:lnRef>
+            <a:fillRef idx="1">
+              <a:schemeClr val="accent1"/>
+            </a:fillRef>
+            <a:effectRef idx="0">
+              <a:schemeClr val="accent1"/>
+            </a:effectRef>
+            <a:fontRef idx="minor">
+              <a:schemeClr val="lt1"/>
+            </a:fontRef>
+          </p:style>
+          <p:txBody>
+            <a:bodyPr rtlCol="0" anchor="ctr"/>
+            <a:p>
+              <a:pPr algn="ctr"/>
+              <a:endParaRPr lang="zh-CN" altLang="en-US"/>
+            </a:p>
+          </p:txBody>
+        </p:sp>
+        <p:sp>
+          <p:nvSpPr>
+            <p:cNvPr id="13" name="文本框 12"/>
+            <p:cNvSpPr txBox="1"/>
+            <p:nvPr>
+              <p:custDataLst>
+                <p:tags r:id="rId8"/>
+              </p:custDataLst>
+            </p:nvPr>
+          </p:nvSpPr>
+          <p:spPr>
+            <a:xfrm>
+              <a:off x="1034" y="3965"/>
+              <a:ext cx="286" cy="580"/>
+            </a:xfrm>
+            <a:prstGeom prst="rect">
+              <a:avLst/>
+            </a:prstGeom>
+            <a:noFill/>
+          </p:spPr>
+          <p:txBody>
+            <a:bodyPr wrap="square" rtlCol="0">
+              <a:spAutoFit/>
+            </a:bodyPr>
+            <a:p>
+              <a:r>
+                <a:rPr lang="en-US" altLang="zh-CN" b="1">
+                  <a:solidFill>
+                    <a:srgbClr val="7030A0"/>
+                  </a:solidFill>
+                </a:rPr>
+                <a:t>k</a:t>
+              </a:r>
+              <a:endParaRPr lang="en-US" altLang="zh-CN" b="1">
+                <a:solidFill>
+                  <a:srgbClr val="7030A0"/>
+                </a:solidFill>
+              </a:endParaRPr>
+            </a:p>
+          </p:txBody>
+        </p:sp>
+        <p:sp>
+          <p:nvSpPr>
+            <p:cNvPr id="14" name="矩形 13"/>
+            <p:cNvSpPr/>
+            <p:nvPr>
+              <p:custDataLst>
+                <p:tags r:id="rId9"/>
+              </p:custDataLst>
+            </p:nvPr>
+          </p:nvSpPr>
+          <p:spPr>
+            <a:xfrm>
+              <a:off x="4114" y="3959"/>
+              <a:ext cx="2880" cy="1060"/>
+            </a:xfrm>
+            <a:prstGeom prst="rect">
+              <a:avLst/>
+            </a:prstGeom>
+            <a:solidFill>
+              <a:schemeClr val="accent4">
+                <a:lumMod val="60000"/>
+                <a:lumOff val="40000"/>
+                <a:alpha val="51000"/>
+              </a:schemeClr>
+            </a:solidFill>
+          </p:spPr>
+          <p:style>
+            <a:lnRef idx="2">
+              <a:schemeClr val="accent1">
+                <a:shade val="50000"/>
+              </a:schemeClr>
+            </a:lnRef>
+            <a:fillRef idx="1">
+              <a:schemeClr val="accent1"/>
+            </a:fillRef>
+            <a:effectRef idx="0">
+              <a:schemeClr val="accent1"/>
+            </a:effectRef>
+            <a:fontRef idx="minor">
+              <a:schemeClr val="lt1"/>
+            </a:fontRef>
+          </p:style>
+          <p:txBody>
+            <a:bodyPr rtlCol="0" anchor="ctr"/>
+            <a:p>
+              <a:pPr algn="ctr"/>
+              <a:endParaRPr lang="zh-CN" altLang="en-US"/>
+            </a:p>
+          </p:txBody>
+        </p:sp>
+        <p:sp>
+          <p:nvSpPr>
+            <p:cNvPr id="15" name="文本框 14"/>
+            <p:cNvSpPr txBox="1"/>
+            <p:nvPr>
+              <p:custDataLst>
+                <p:tags r:id="rId10"/>
+              </p:custDataLst>
+            </p:nvPr>
+          </p:nvSpPr>
+          <p:spPr>
+            <a:xfrm>
+              <a:off x="4114" y="3959"/>
+              <a:ext cx="286" cy="580"/>
+            </a:xfrm>
+            <a:prstGeom prst="rect">
+              <a:avLst/>
+            </a:prstGeom>
+            <a:noFill/>
+          </p:spPr>
+          <p:txBody>
+            <a:bodyPr wrap="square" rtlCol="0">
+              <a:spAutoFit/>
+            </a:bodyPr>
+            <a:p>
+              <a:r>
+                <a:rPr lang="en-US" altLang="zh-CN" b="1">
+                  <a:solidFill>
+                    <a:srgbClr val="7030A0"/>
+                  </a:solidFill>
+                </a:rPr>
+                <a:t>k</a:t>
+              </a:r>
+              <a:endParaRPr lang="en-US" altLang="zh-CN" b="1">
+                <a:solidFill>
+                  <a:srgbClr val="7030A0"/>
+                </a:solidFill>
+              </a:endParaRPr>
+            </a:p>
+          </p:txBody>
+        </p:sp>
+        <p:sp>
+          <p:nvSpPr>
+            <p:cNvPr id="16" name="矩形 15"/>
+            <p:cNvSpPr/>
+            <p:nvPr/>
+          </p:nvSpPr>
+          <p:spPr>
+            <a:xfrm>
+              <a:off x="830" y="5256"/>
+              <a:ext cx="1549" cy="1236"/>
+            </a:xfrm>
+            <a:prstGeom prst="rect">
+              <a:avLst/>
+            </a:prstGeom>
+            <a:solidFill>
+              <a:schemeClr val="accent5">
+                <a:lumMod val="40000"/>
+                <a:lumOff val="60000"/>
+                <a:alpha val="53000"/>
+              </a:schemeClr>
+            </a:solidFill>
+          </p:spPr>
+          <p:style>
+            <a:lnRef idx="2">
+              <a:schemeClr val="accent1">
+                <a:shade val="50000"/>
+              </a:schemeClr>
+            </a:lnRef>
+            <a:fillRef idx="1">
+              <a:schemeClr val="accent1"/>
+            </a:fillRef>
+            <a:effectRef idx="0">
+              <a:schemeClr val="accent1"/>
+            </a:effectRef>
+            <a:fontRef idx="minor">
+              <a:schemeClr val="lt1"/>
+            </a:fontRef>
+          </p:style>
+          <p:txBody>
+            <a:bodyPr rtlCol="0" anchor="ctr"/>
+            <a:p>
+              <a:pPr algn="ctr"/>
+              <a:endParaRPr lang="zh-CN" altLang="en-US"/>
+            </a:p>
+          </p:txBody>
+        </p:sp>
+        <p:sp>
+          <p:nvSpPr>
+            <p:cNvPr id="17" name="文本框 16"/>
+            <p:cNvSpPr txBox="1"/>
+            <p:nvPr>
+              <p:custDataLst>
+                <p:tags r:id="rId11"/>
+              </p:custDataLst>
+            </p:nvPr>
+          </p:nvSpPr>
+          <p:spPr>
+            <a:xfrm>
+              <a:off x="839" y="5256"/>
+              <a:ext cx="286" cy="580"/>
+            </a:xfrm>
+            <a:prstGeom prst="rect">
+              <a:avLst/>
+            </a:prstGeom>
+            <a:noFill/>
+          </p:spPr>
+          <p:txBody>
+            <a:bodyPr wrap="square" rtlCol="0">
+              <a:spAutoFit/>
+            </a:bodyPr>
+            <a:p>
+              <a:r>
+                <a:rPr lang="en-US" altLang="zh-CN" b="1">
+                  <a:solidFill>
+                    <a:srgbClr val="7030A0"/>
+                  </a:solidFill>
+                </a:rPr>
+                <a:t>k</a:t>
+              </a:r>
+              <a:endParaRPr lang="en-US" altLang="zh-CN" b="1">
+                <a:solidFill>
+                  <a:srgbClr val="7030A0"/>
+                </a:solidFill>
+              </a:endParaRPr>
+            </a:p>
+          </p:txBody>
+        </p:sp>
+        <p:sp>
+          <p:nvSpPr>
+            <p:cNvPr id="18" name="矩形 17"/>
+            <p:cNvSpPr/>
+            <p:nvPr>
+              <p:custDataLst>
+                <p:tags r:id="rId12"/>
+              </p:custDataLst>
+            </p:nvPr>
+          </p:nvSpPr>
+          <p:spPr>
+            <a:xfrm>
+              <a:off x="2365" y="5240"/>
+              <a:ext cx="1549" cy="1236"/>
+            </a:xfrm>
+            <a:prstGeom prst="rect">
+              <a:avLst/>
+            </a:prstGeom>
+            <a:solidFill>
+              <a:schemeClr val="accent5">
+                <a:lumMod val="40000"/>
+                <a:lumOff val="60000"/>
+                <a:alpha val="53000"/>
+              </a:schemeClr>
+            </a:solidFill>
+          </p:spPr>
+          <p:style>
+            <a:lnRef idx="2">
+              <a:schemeClr val="accent1">
+                <a:shade val="50000"/>
+              </a:schemeClr>
+            </a:lnRef>
+            <a:fillRef idx="1">
+              <a:schemeClr val="accent1"/>
+            </a:fillRef>
+            <a:effectRef idx="0">
+              <a:schemeClr val="accent1"/>
+            </a:effectRef>
+            <a:fontRef idx="minor">
+              <a:schemeClr val="lt1"/>
+            </a:fontRef>
+          </p:style>
+          <p:txBody>
+            <a:bodyPr rtlCol="0" anchor="ctr"/>
+            <a:p>
+              <a:pPr algn="ctr"/>
+              <a:endParaRPr lang="zh-CN" altLang="en-US"/>
+            </a:p>
+          </p:txBody>
+        </p:sp>
+        <p:sp>
+          <p:nvSpPr>
+            <p:cNvPr id="19" name="文本框 18"/>
+            <p:cNvSpPr txBox="1"/>
+            <p:nvPr>
+              <p:custDataLst>
+                <p:tags r:id="rId13"/>
+              </p:custDataLst>
+            </p:nvPr>
+          </p:nvSpPr>
+          <p:spPr>
+            <a:xfrm>
+              <a:off x="2374" y="5240"/>
+              <a:ext cx="286" cy="580"/>
+            </a:xfrm>
+            <a:prstGeom prst="rect">
+              <a:avLst/>
+            </a:prstGeom>
+            <a:noFill/>
+          </p:spPr>
+          <p:txBody>
+            <a:bodyPr wrap="square" rtlCol="0">
+              <a:spAutoFit/>
+            </a:bodyPr>
+            <a:p>
+              <a:r>
+                <a:rPr lang="en-US" altLang="zh-CN" b="1">
+                  <a:solidFill>
+                    <a:srgbClr val="7030A0"/>
+                  </a:solidFill>
+                </a:rPr>
+                <a:t>k</a:t>
+              </a:r>
+              <a:endParaRPr lang="en-US" altLang="zh-CN" b="1">
+                <a:solidFill>
+                  <a:srgbClr val="7030A0"/>
+                </a:solidFill>
+              </a:endParaRPr>
+            </a:p>
+          </p:txBody>
+        </p:sp>
+        <p:sp>
+          <p:nvSpPr>
+            <p:cNvPr id="20" name="矩形 19"/>
+            <p:cNvSpPr/>
+            <p:nvPr>
+              <p:custDataLst>
+                <p:tags r:id="rId14"/>
+              </p:custDataLst>
+            </p:nvPr>
+          </p:nvSpPr>
+          <p:spPr>
+            <a:xfrm>
+              <a:off x="3909" y="5225"/>
+              <a:ext cx="1630" cy="1236"/>
+            </a:xfrm>
+            <a:prstGeom prst="rect">
+              <a:avLst/>
+            </a:prstGeom>
+            <a:solidFill>
+              <a:schemeClr val="accent5">
+                <a:lumMod val="40000"/>
+                <a:lumOff val="60000"/>
+                <a:alpha val="53000"/>
+              </a:schemeClr>
+            </a:solidFill>
+          </p:spPr>
+          <p:style>
+            <a:lnRef idx="2">
+              <a:schemeClr val="accent1">
+                <a:shade val="50000"/>
+              </a:schemeClr>
+            </a:lnRef>
+            <a:fillRef idx="1">
+              <a:schemeClr val="accent1"/>
+            </a:fillRef>
+            <a:effectRef idx="0">
+              <a:schemeClr val="accent1"/>
+            </a:effectRef>
+            <a:fontRef idx="minor">
+              <a:schemeClr val="lt1"/>
+            </a:fontRef>
+          </p:style>
+          <p:txBody>
+            <a:bodyPr rtlCol="0" anchor="ctr"/>
+            <a:p>
+              <a:pPr algn="ctr"/>
+              <a:endParaRPr lang="zh-CN" altLang="en-US"/>
+            </a:p>
+          </p:txBody>
+        </p:sp>
+        <p:sp>
+          <p:nvSpPr>
+            <p:cNvPr id="21" name="文本框 20"/>
+            <p:cNvSpPr txBox="1"/>
+            <p:nvPr>
+              <p:custDataLst>
+                <p:tags r:id="rId15"/>
+              </p:custDataLst>
+            </p:nvPr>
+          </p:nvSpPr>
+          <p:spPr>
+            <a:xfrm>
+              <a:off x="3918" y="5225"/>
+              <a:ext cx="301" cy="580"/>
+            </a:xfrm>
+            <a:prstGeom prst="rect">
+              <a:avLst/>
+            </a:prstGeom>
+            <a:noFill/>
+          </p:spPr>
+          <p:txBody>
+            <a:bodyPr wrap="square" rtlCol="0">
+              <a:spAutoFit/>
+            </a:bodyPr>
+            <a:p>
+              <a:r>
+                <a:rPr lang="en-US" altLang="zh-CN" b="1">
+                  <a:solidFill>
+                    <a:srgbClr val="7030A0"/>
+                  </a:solidFill>
+                </a:rPr>
+                <a:t>k</a:t>
+              </a:r>
+              <a:endParaRPr lang="en-US" altLang="zh-CN" b="1">
+                <a:solidFill>
+                  <a:srgbClr val="7030A0"/>
+                </a:solidFill>
+              </a:endParaRPr>
+            </a:p>
+          </p:txBody>
+        </p:sp>
+        <p:sp>
+          <p:nvSpPr>
+            <p:cNvPr id="23" name="矩形 22"/>
+            <p:cNvSpPr/>
+            <p:nvPr>
+              <p:custDataLst>
+                <p:tags r:id="rId16"/>
+              </p:custDataLst>
+            </p:nvPr>
+          </p:nvSpPr>
+          <p:spPr>
+            <a:xfrm>
+              <a:off x="5581" y="5225"/>
+              <a:ext cx="1549" cy="1236"/>
+            </a:xfrm>
+            <a:prstGeom prst="rect">
+              <a:avLst/>
+            </a:prstGeom>
+            <a:solidFill>
+              <a:schemeClr val="accent5">
+                <a:lumMod val="40000"/>
+                <a:lumOff val="60000"/>
+                <a:alpha val="53000"/>
+              </a:schemeClr>
+            </a:solidFill>
+          </p:spPr>
+          <p:style>
+            <a:lnRef idx="2">
+              <a:schemeClr val="accent1">
+                <a:shade val="50000"/>
+              </a:schemeClr>
+            </a:lnRef>
+            <a:fillRef idx="1">
+              <a:schemeClr val="accent1"/>
+            </a:fillRef>
+            <a:effectRef idx="0">
+              <a:schemeClr val="accent1"/>
+            </a:effectRef>
+            <a:fontRef idx="minor">
+              <a:schemeClr val="lt1"/>
+            </a:fontRef>
+          </p:style>
+          <p:txBody>
+            <a:bodyPr rtlCol="0" anchor="ctr"/>
+            <a:p>
+              <a:pPr algn="ctr"/>
+              <a:endParaRPr lang="zh-CN" altLang="en-US"/>
+            </a:p>
+          </p:txBody>
+        </p:sp>
+        <p:sp>
+          <p:nvSpPr>
+            <p:cNvPr id="24" name="文本框 23"/>
+            <p:cNvSpPr txBox="1"/>
+            <p:nvPr>
+              <p:custDataLst>
+                <p:tags r:id="rId17"/>
+              </p:custDataLst>
+            </p:nvPr>
+          </p:nvSpPr>
+          <p:spPr>
+            <a:xfrm>
+              <a:off x="5590" y="5225"/>
+              <a:ext cx="286" cy="580"/>
+            </a:xfrm>
+            <a:prstGeom prst="rect">
+              <a:avLst/>
+            </a:prstGeom>
+            <a:noFill/>
+          </p:spPr>
+          <p:txBody>
+            <a:bodyPr wrap="square" rtlCol="0">
+              <a:spAutoFit/>
+            </a:bodyPr>
+            <a:p>
+              <a:r>
+                <a:rPr lang="en-US" altLang="zh-CN" b="1">
+                  <a:solidFill>
+                    <a:srgbClr val="7030A0"/>
+                  </a:solidFill>
+                </a:rPr>
+                <a:t>k</a:t>
+              </a:r>
+              <a:endParaRPr lang="en-US" altLang="zh-CN" b="1">
+                <a:solidFill>
+                  <a:srgbClr val="7030A0"/>
+                </a:solidFill>
+              </a:endParaRPr>
+            </a:p>
+          </p:txBody>
+        </p:sp>
+        <p:pic>
+          <p:nvPicPr>
+            <p:cNvPr id="25" name="图片 24" descr="graph (1)"/>
+            <p:cNvPicPr>
+              <a:picLocks noChangeAspect="1"/>
+            </p:cNvPicPr>
+            <p:nvPr/>
+          </p:nvPicPr>
+          <p:blipFill>
+            <a:blip r:embed="rId18"/>
+            <a:srcRect l="8797" t="5870" r="8188" b="15174"/>
+            <a:stretch>
+              <a:fillRect/>
+            </a:stretch>
+          </p:blipFill>
+          <p:spPr>
+            <a:xfrm>
+              <a:off x="7878" y="1013"/>
+              <a:ext cx="5728" cy="5448"/>
+            </a:xfrm>
+            <a:prstGeom prst="rect">
+              <a:avLst/>
+            </a:prstGeom>
+            <a:ln>
+              <a:solidFill>
+                <a:schemeClr val="accent1"/>
+              </a:solidFill>
+            </a:ln>
+          </p:spPr>
+        </p:pic>
+        <p:sp>
+          <p:nvSpPr>
+            <p:cNvPr id="26" name="文本框 25"/>
+            <p:cNvSpPr txBox="1"/>
+            <p:nvPr>
+              <p:custDataLst>
+                <p:tags r:id="rId19"/>
+              </p:custDataLst>
+            </p:nvPr>
+          </p:nvSpPr>
+          <p:spPr>
+            <a:xfrm>
+              <a:off x="11206" y="2082"/>
+              <a:ext cx="897" cy="725"/>
+            </a:xfrm>
+            <a:prstGeom prst="rect">
+              <a:avLst/>
+            </a:prstGeom>
+            <a:noFill/>
+          </p:spPr>
+          <p:txBody>
+            <a:bodyPr wrap="square" rtlCol="0">
+              <a:spAutoFit/>
+            </a:bodyPr>
+            <a:p>
+              <a:r>
+                <a:rPr lang="zh-CN" altLang="en-US" sz="2400" b="1">
+                  <a:solidFill>
+                    <a:srgbClr val="FF0000"/>
+                  </a:solidFill>
+                  <a:latin typeface="楷体" panose="02010609060101010101" charset="-122"/>
+                  <a:ea typeface="楷体" panose="02010609060101010101" charset="-122"/>
+                  <a:cs typeface="Consolas" panose="020B0609020204030204" charset="0"/>
+                </a:rPr>
+                <a:t>…</a:t>
+              </a:r>
+              <a:endParaRPr lang="zh-CN" altLang="en-US" sz="2400" b="1">
+                <a:solidFill>
+                  <a:srgbClr val="FF0000"/>
+                </a:solidFill>
+                <a:latin typeface="楷体" panose="02010609060101010101" charset="-122"/>
+                <a:ea typeface="楷体" panose="02010609060101010101" charset="-122"/>
+                <a:cs typeface="Consolas" panose="020B0609020204030204" charset="0"/>
+              </a:endParaRPr>
+            </a:p>
+          </p:txBody>
+        </p:sp>
+        <p:sp>
+          <p:nvSpPr>
+            <p:cNvPr id="27" name="文本框 26"/>
+            <p:cNvSpPr txBox="1"/>
+            <p:nvPr>
+              <p:custDataLst>
+                <p:tags r:id="rId20"/>
+              </p:custDataLst>
+            </p:nvPr>
+          </p:nvSpPr>
+          <p:spPr>
+            <a:xfrm>
+              <a:off x="10309" y="3332"/>
+              <a:ext cx="897" cy="725"/>
+            </a:xfrm>
+            <a:prstGeom prst="rect">
+              <a:avLst/>
+            </a:prstGeom>
+            <a:noFill/>
+          </p:spPr>
+          <p:txBody>
+            <a:bodyPr wrap="square" rtlCol="0">
+              <a:spAutoFit/>
+            </a:bodyPr>
+            <a:p>
+              <a:r>
+                <a:rPr lang="zh-CN" altLang="en-US" sz="2400" b="1">
+                  <a:solidFill>
+                    <a:srgbClr val="FF0000"/>
+                  </a:solidFill>
+                  <a:latin typeface="楷体" panose="02010609060101010101" charset="-122"/>
+                  <a:ea typeface="楷体" panose="02010609060101010101" charset="-122"/>
+                  <a:cs typeface="Consolas" panose="020B0609020204030204" charset="0"/>
+                </a:rPr>
+                <a:t>…</a:t>
+              </a:r>
+              <a:endParaRPr lang="zh-CN" altLang="en-US" sz="2400" b="1">
+                <a:solidFill>
+                  <a:srgbClr val="FF0000"/>
+                </a:solidFill>
+                <a:latin typeface="楷体" panose="02010609060101010101" charset="-122"/>
+                <a:ea typeface="楷体" panose="02010609060101010101" charset="-122"/>
+                <a:cs typeface="Consolas" panose="020B0609020204030204" charset="0"/>
+              </a:endParaRPr>
+            </a:p>
+          </p:txBody>
+        </p:sp>
+        <p:sp>
+          <p:nvSpPr>
+            <p:cNvPr id="28" name="文本框 27"/>
+            <p:cNvSpPr txBox="1"/>
+            <p:nvPr>
+              <p:custDataLst>
+                <p:tags r:id="rId21"/>
+              </p:custDataLst>
+            </p:nvPr>
+          </p:nvSpPr>
+          <p:spPr>
+            <a:xfrm>
+              <a:off x="9290" y="4500"/>
+              <a:ext cx="897" cy="725"/>
+            </a:xfrm>
+            <a:prstGeom prst="rect">
+              <a:avLst/>
+            </a:prstGeom>
+            <a:noFill/>
+          </p:spPr>
+          <p:txBody>
+            <a:bodyPr wrap="square" rtlCol="0">
+              <a:spAutoFit/>
+            </a:bodyPr>
+            <a:p>
+              <a:r>
+                <a:rPr lang="zh-CN" altLang="en-US" sz="2400" b="1">
+                  <a:solidFill>
+                    <a:srgbClr val="FF0000"/>
+                  </a:solidFill>
+                  <a:latin typeface="楷体" panose="02010609060101010101" charset="-122"/>
+                  <a:ea typeface="楷体" panose="02010609060101010101" charset="-122"/>
+                  <a:cs typeface="Consolas" panose="020B0609020204030204" charset="0"/>
+                </a:rPr>
+                <a:t>…</a:t>
+              </a:r>
+              <a:endParaRPr lang="zh-CN" altLang="en-US" sz="2400" b="1">
+                <a:solidFill>
+                  <a:srgbClr val="FF0000"/>
+                </a:solidFill>
+                <a:latin typeface="楷体" panose="02010609060101010101" charset="-122"/>
+                <a:ea typeface="楷体" panose="02010609060101010101" charset="-122"/>
+                <a:cs typeface="Consolas" panose="020B0609020204030204" charset="0"/>
+              </a:endParaRPr>
+            </a:p>
+          </p:txBody>
+        </p:sp>
+        <p:sp>
+          <p:nvSpPr>
+            <p:cNvPr id="29" name="文本框 28"/>
+            <p:cNvSpPr txBox="1"/>
+            <p:nvPr>
+              <p:custDataLst>
+                <p:tags r:id="rId22"/>
+              </p:custDataLst>
+            </p:nvPr>
+          </p:nvSpPr>
+          <p:spPr>
+            <a:xfrm>
+              <a:off x="8492" y="5647"/>
+              <a:ext cx="897" cy="725"/>
+            </a:xfrm>
+            <a:prstGeom prst="rect">
+              <a:avLst/>
+            </a:prstGeom>
+            <a:noFill/>
+          </p:spPr>
+          <p:txBody>
+            <a:bodyPr wrap="square" rtlCol="0">
+              <a:spAutoFit/>
+            </a:bodyPr>
+            <a:p>
+              <a:r>
+                <a:rPr lang="zh-CN" altLang="en-US" sz="2400" b="1">
+                  <a:solidFill>
+                    <a:srgbClr val="FF0000"/>
+                  </a:solidFill>
+                  <a:latin typeface="楷体" panose="02010609060101010101" charset="-122"/>
+                  <a:ea typeface="楷体" panose="02010609060101010101" charset="-122"/>
+                  <a:cs typeface="Consolas" panose="020B0609020204030204" charset="0"/>
+                </a:rPr>
+                <a:t>…</a:t>
+              </a:r>
+              <a:endParaRPr lang="zh-CN" altLang="en-US" sz="2400" b="1">
+                <a:solidFill>
+                  <a:srgbClr val="FF0000"/>
+                </a:solidFill>
+                <a:latin typeface="楷体" panose="02010609060101010101" charset="-122"/>
+                <a:ea typeface="楷体" panose="02010609060101010101" charset="-122"/>
+                <a:cs typeface="Consolas" panose="020B0609020204030204" charset="0"/>
+              </a:endParaRPr>
+            </a:p>
+          </p:txBody>
+        </p:sp>
+        <p:sp>
+          <p:nvSpPr>
+            <p:cNvPr id="30" name="矩形 29"/>
+            <p:cNvSpPr/>
+            <p:nvPr/>
+          </p:nvSpPr>
+          <p:spPr>
+            <a:xfrm>
+              <a:off x="9172" y="1751"/>
+              <a:ext cx="4442" cy="1236"/>
+            </a:xfrm>
+            <a:prstGeom prst="rect">
+              <a:avLst/>
+            </a:prstGeom>
+            <a:solidFill>
+              <a:schemeClr val="accent3">
+                <a:lumMod val="40000"/>
+                <a:lumOff val="60000"/>
+                <a:alpha val="56000"/>
+              </a:schemeClr>
+            </a:solidFill>
+          </p:spPr>
+          <p:style>
+            <a:lnRef idx="2">
+              <a:schemeClr val="accent1">
+                <a:shade val="50000"/>
+              </a:schemeClr>
+            </a:lnRef>
+            <a:fillRef idx="1">
+              <a:schemeClr val="accent1"/>
+            </a:fillRef>
+            <a:effectRef idx="0">
+              <a:schemeClr val="accent1"/>
+            </a:effectRef>
+            <a:fontRef idx="minor">
+              <a:schemeClr val="lt1"/>
+            </a:fontRef>
+          </p:style>
+          <p:txBody>
+            <a:bodyPr rtlCol="0" anchor="ctr"/>
+            <a:p>
+              <a:pPr algn="ctr"/>
+              <a:endParaRPr lang="zh-CN" altLang="en-US"/>
+            </a:p>
+          </p:txBody>
+        </p:sp>
+        <p:sp>
+          <p:nvSpPr>
+            <p:cNvPr id="33" name="文本框 32"/>
+            <p:cNvSpPr txBox="1"/>
+            <p:nvPr>
+              <p:custDataLst>
+                <p:tags r:id="rId23"/>
+              </p:custDataLst>
+            </p:nvPr>
+          </p:nvSpPr>
+          <p:spPr>
+            <a:xfrm>
+              <a:off x="9290" y="1870"/>
+              <a:ext cx="286" cy="580"/>
+            </a:xfrm>
+            <a:prstGeom prst="rect">
+              <a:avLst/>
+            </a:prstGeom>
+            <a:noFill/>
+          </p:spPr>
+          <p:txBody>
+            <a:bodyPr wrap="square" rtlCol="0">
+              <a:spAutoFit/>
+            </a:bodyPr>
+            <a:p>
+              <a:r>
+                <a:rPr lang="en-US" altLang="zh-CN" b="1">
+                  <a:solidFill>
+                    <a:srgbClr val="7030A0"/>
+                  </a:solidFill>
+                </a:rPr>
+                <a:t>k</a:t>
+              </a:r>
+              <a:endParaRPr lang="en-US" altLang="zh-CN" b="1">
+                <a:solidFill>
+                  <a:srgbClr val="7030A0"/>
+                </a:solidFill>
+              </a:endParaRPr>
+            </a:p>
+          </p:txBody>
+        </p:sp>
+        <p:sp>
+          <p:nvSpPr>
+            <p:cNvPr id="34" name="矩形 33"/>
+            <p:cNvSpPr/>
+            <p:nvPr/>
+          </p:nvSpPr>
+          <p:spPr>
+            <a:xfrm>
+              <a:off x="8669" y="3177"/>
+              <a:ext cx="3939" cy="1019"/>
+            </a:xfrm>
+            <a:prstGeom prst="rect">
+              <a:avLst/>
+            </a:prstGeom>
+            <a:solidFill>
+              <a:schemeClr val="accent4">
+                <a:lumMod val="75000"/>
+                <a:alpha val="46000"/>
+              </a:schemeClr>
+            </a:solidFill>
+          </p:spPr>
+          <p:style>
+            <a:lnRef idx="2">
+              <a:schemeClr val="accent1">
+                <a:shade val="50000"/>
+              </a:schemeClr>
+            </a:lnRef>
+            <a:fillRef idx="1">
+              <a:schemeClr val="accent1"/>
+            </a:fillRef>
+            <a:effectRef idx="0">
+              <a:schemeClr val="accent1"/>
+            </a:effectRef>
+            <a:fontRef idx="minor">
+              <a:schemeClr val="lt1"/>
+            </a:fontRef>
+          </p:style>
+          <p:txBody>
+            <a:bodyPr rtlCol="0" anchor="ctr"/>
+            <a:p>
+              <a:pPr algn="ctr"/>
+              <a:endParaRPr lang="zh-CN" altLang="en-US"/>
+            </a:p>
+          </p:txBody>
+        </p:sp>
+        <p:sp>
+          <p:nvSpPr>
+            <p:cNvPr id="35" name="文本框 34"/>
+            <p:cNvSpPr txBox="1"/>
+            <p:nvPr>
+              <p:custDataLst>
+                <p:tags r:id="rId24"/>
+              </p:custDataLst>
+            </p:nvPr>
+          </p:nvSpPr>
+          <p:spPr>
+            <a:xfrm>
+              <a:off x="8669" y="3177"/>
+              <a:ext cx="286" cy="580"/>
+            </a:xfrm>
+            <a:prstGeom prst="rect">
+              <a:avLst/>
+            </a:prstGeom>
+            <a:noFill/>
+          </p:spPr>
+          <p:txBody>
+            <a:bodyPr wrap="square" rtlCol="0">
+              <a:spAutoFit/>
+            </a:bodyPr>
+            <a:p>
+              <a:r>
+                <a:rPr lang="en-US" altLang="zh-CN" b="1">
+                  <a:solidFill>
+                    <a:srgbClr val="7030A0"/>
+                  </a:solidFill>
+                </a:rPr>
+                <a:t>k</a:t>
+              </a:r>
+              <a:endParaRPr lang="en-US" altLang="zh-CN" b="1">
+                <a:solidFill>
+                  <a:srgbClr val="7030A0"/>
+                </a:solidFill>
+              </a:endParaRPr>
+            </a:p>
+          </p:txBody>
+        </p:sp>
+        <p:sp>
+          <p:nvSpPr>
+            <p:cNvPr id="36" name="矩形 35"/>
+            <p:cNvSpPr/>
+            <p:nvPr/>
+          </p:nvSpPr>
+          <p:spPr>
+            <a:xfrm>
+              <a:off x="8180" y="4441"/>
+              <a:ext cx="3274" cy="883"/>
+            </a:xfrm>
+            <a:prstGeom prst="rect">
+              <a:avLst/>
+            </a:prstGeom>
+            <a:solidFill>
+              <a:schemeClr val="accent6">
+                <a:lumMod val="60000"/>
+                <a:lumOff val="40000"/>
+                <a:alpha val="50000"/>
+              </a:schemeClr>
+            </a:solidFill>
+          </p:spPr>
+          <p:style>
+            <a:lnRef idx="2">
+              <a:schemeClr val="accent1">
+                <a:shade val="50000"/>
+              </a:schemeClr>
+            </a:lnRef>
+            <a:fillRef idx="1">
+              <a:schemeClr val="accent1"/>
+            </a:fillRef>
+            <a:effectRef idx="0">
+              <a:schemeClr val="accent1"/>
+            </a:effectRef>
+            <a:fontRef idx="minor">
+              <a:schemeClr val="lt1"/>
+            </a:fontRef>
+          </p:style>
+          <p:txBody>
+            <a:bodyPr rtlCol="0" anchor="ctr"/>
+            <a:p>
+              <a:pPr algn="ctr"/>
+              <a:endParaRPr lang="zh-CN" altLang="en-US"/>
+            </a:p>
+          </p:txBody>
+        </p:sp>
+        <p:sp>
+          <p:nvSpPr>
+            <p:cNvPr id="37" name="文本框 36"/>
+            <p:cNvSpPr txBox="1"/>
+            <p:nvPr>
+              <p:custDataLst>
+                <p:tags r:id="rId25"/>
+              </p:custDataLst>
+            </p:nvPr>
+          </p:nvSpPr>
+          <p:spPr>
+            <a:xfrm>
+              <a:off x="8070" y="4439"/>
+              <a:ext cx="286" cy="580"/>
+            </a:xfrm>
+            <a:prstGeom prst="rect">
+              <a:avLst/>
+            </a:prstGeom>
+            <a:noFill/>
+          </p:spPr>
+          <p:txBody>
+            <a:bodyPr wrap="square" rtlCol="0">
+              <a:spAutoFit/>
+            </a:bodyPr>
+            <a:p>
+              <a:r>
+                <a:rPr lang="en-US" altLang="zh-CN" b="1">
+                  <a:solidFill>
+                    <a:srgbClr val="7030A0"/>
+                  </a:solidFill>
+                </a:rPr>
+                <a:t>k</a:t>
+              </a:r>
+              <a:endParaRPr lang="en-US" altLang="zh-CN" b="1">
+                <a:solidFill>
+                  <a:srgbClr val="7030A0"/>
+                </a:solidFill>
+              </a:endParaRPr>
+            </a:p>
+          </p:txBody>
+        </p:sp>
+        <p:sp>
+          <p:nvSpPr>
+            <p:cNvPr id="38" name="矩形 37"/>
+            <p:cNvSpPr/>
+            <p:nvPr/>
+          </p:nvSpPr>
+          <p:spPr>
+            <a:xfrm>
+              <a:off x="7878" y="5529"/>
+              <a:ext cx="2324" cy="924"/>
+            </a:xfrm>
+            <a:prstGeom prst="rect">
+              <a:avLst/>
+            </a:prstGeom>
+            <a:solidFill>
+              <a:schemeClr val="accent2">
+                <a:alpha val="58000"/>
+              </a:schemeClr>
+            </a:solidFill>
+          </p:spPr>
+          <p:style>
+            <a:lnRef idx="2">
+              <a:schemeClr val="accent1">
+                <a:shade val="50000"/>
+              </a:schemeClr>
+            </a:lnRef>
+            <a:fillRef idx="1">
+              <a:schemeClr val="accent1"/>
+            </a:fillRef>
+            <a:effectRef idx="0">
+              <a:schemeClr val="accent1"/>
+            </a:effectRef>
+            <a:fontRef idx="minor">
+              <a:schemeClr val="lt1"/>
+            </a:fontRef>
+          </p:style>
+          <p:txBody>
+            <a:bodyPr rtlCol="0" anchor="ctr"/>
+            <a:p>
+              <a:pPr algn="ctr"/>
+              <a:endParaRPr lang="zh-CN" altLang="en-US"/>
+            </a:p>
+          </p:txBody>
+        </p:sp>
+        <p:sp>
+          <p:nvSpPr>
+            <p:cNvPr id="39" name="文本框 38"/>
+            <p:cNvSpPr txBox="1"/>
+            <p:nvPr>
+              <p:custDataLst>
+                <p:tags r:id="rId26"/>
+              </p:custDataLst>
+            </p:nvPr>
+          </p:nvSpPr>
+          <p:spPr>
+            <a:xfrm>
+              <a:off x="9810" y="5569"/>
+              <a:ext cx="286" cy="580"/>
+            </a:xfrm>
+            <a:prstGeom prst="rect">
+              <a:avLst/>
+            </a:prstGeom>
+            <a:noFill/>
+          </p:spPr>
+          <p:txBody>
+            <a:bodyPr wrap="square" rtlCol="0">
+              <a:spAutoFit/>
+            </a:bodyPr>
+            <a:p>
+              <a:r>
+                <a:rPr lang="en-US" altLang="zh-CN" b="1">
+                  <a:solidFill>
+                    <a:srgbClr val="7030A0"/>
+                  </a:solidFill>
+                </a:rPr>
+                <a:t>k</a:t>
+              </a:r>
+              <a:endParaRPr lang="en-US" altLang="zh-CN" b="1">
+                <a:solidFill>
+                  <a:srgbClr val="7030A0"/>
+                </a:solidFill>
+              </a:endParaRPr>
+            </a:p>
+          </p:txBody>
+        </p:sp>
+      </p:grpSp>
+    </p:spTree>
+    <p:custDataLst>
+      <p:tags r:id="rId27"/>
+    </p:custDataLst>
+  </p:cSld>
+  <p:clrMapOvr>
+    <a:masterClrMapping/>
+  </p:clrMapOvr>
+</p:sld>
+</file>
+
 <file path=ppt/tags/tag1.xml><?xml version="1.0" encoding="utf-8"?>
 <p:tagLst xmlns:p="http://schemas.openxmlformats.org/presentationml/2006/main">
   <p:tag name="KSO_WM_UNIT_HIGHLIGHT" val="0"/>
@@ -4833,8 +6409,49 @@
 
 <file path=ppt/tags/tag72.xml><?xml version="1.0" encoding="utf-8"?>
 <p:tagLst xmlns:p="http://schemas.openxmlformats.org/presentationml/2006/main">
-  <p:tag name="COMMONDATA" val="eyJoZGlkIjoiMGNiYmI5YWVjOTk5ZjZhOWZjNGUxNjlhNTAzYmI0NWQifQ=="/>
-  <p:tag name="KSO_WPP_MARK_KEY" val="c2104ff3-7694-476d-8b99-6d5c7f81cc34"/>
+  <p:tag name="KSO_WM_BEAUTIFY_FLAG" val=""/>
+</p:tagLst>
+</file>
+
+<file path=ppt/tags/tag73.xml><?xml version="1.0" encoding="utf-8"?>
+<p:tagLst xmlns:p="http://schemas.openxmlformats.org/presentationml/2006/main">
+  <p:tag name="KSO_WM_BEAUTIFY_FLAG" val=""/>
+</p:tagLst>
+</file>
+
+<file path=ppt/tags/tag74.xml><?xml version="1.0" encoding="utf-8"?>
+<p:tagLst xmlns:p="http://schemas.openxmlformats.org/presentationml/2006/main">
+  <p:tag name="KSO_WM_BEAUTIFY_FLAG" val=""/>
+</p:tagLst>
+</file>
+
+<file path=ppt/tags/tag75.xml><?xml version="1.0" encoding="utf-8"?>
+<p:tagLst xmlns:p="http://schemas.openxmlformats.org/presentationml/2006/main">
+  <p:tag name="KSO_WM_BEAUTIFY_FLAG" val=""/>
+</p:tagLst>
+</file>
+
+<file path=ppt/tags/tag76.xml><?xml version="1.0" encoding="utf-8"?>
+<p:tagLst xmlns:p="http://schemas.openxmlformats.org/presentationml/2006/main">
+  <p:tag name="KSO_WM_BEAUTIFY_FLAG" val=""/>
+</p:tagLst>
+</file>
+
+<file path=ppt/tags/tag77.xml><?xml version="1.0" encoding="utf-8"?>
+<p:tagLst xmlns:p="http://schemas.openxmlformats.org/presentationml/2006/main">
+  <p:tag name="KSO_WM_BEAUTIFY_FLAG" val=""/>
+</p:tagLst>
+</file>
+
+<file path=ppt/tags/tag78.xml><?xml version="1.0" encoding="utf-8"?>
+<p:tagLst xmlns:p="http://schemas.openxmlformats.org/presentationml/2006/main">
+  <p:tag name="KSO_WM_BEAUTIFY_FLAG" val=""/>
+</p:tagLst>
+</file>
+
+<file path=ppt/tags/tag79.xml><?xml version="1.0" encoding="utf-8"?>
+<p:tagLst xmlns:p="http://schemas.openxmlformats.org/presentationml/2006/main">
+  <p:tag name="KSO_WM_BEAUTIFY_FLAG" val=""/>
 </p:tagLst>
 </file>
 
@@ -4851,6 +6468,66 @@
 </p:tagLst>
 </file>
 
+<file path=ppt/tags/tag80.xml><?xml version="1.0" encoding="utf-8"?>
+<p:tagLst xmlns:p="http://schemas.openxmlformats.org/presentationml/2006/main">
+  <p:tag name="KSO_WM_BEAUTIFY_FLAG" val=""/>
+</p:tagLst>
+</file>
+
+<file path=ppt/tags/tag81.xml><?xml version="1.0" encoding="utf-8"?>
+<p:tagLst xmlns:p="http://schemas.openxmlformats.org/presentationml/2006/main">
+  <p:tag name="KSO_WM_BEAUTIFY_FLAG" val=""/>
+</p:tagLst>
+</file>
+
+<file path=ppt/tags/tag82.xml><?xml version="1.0" encoding="utf-8"?>
+<p:tagLst xmlns:p="http://schemas.openxmlformats.org/presentationml/2006/main">
+  <p:tag name="KSO_WM_BEAUTIFY_FLAG" val=""/>
+</p:tagLst>
+</file>
+
+<file path=ppt/tags/tag83.xml><?xml version="1.0" encoding="utf-8"?>
+<p:tagLst xmlns:p="http://schemas.openxmlformats.org/presentationml/2006/main">
+  <p:tag name="KSO_WM_BEAUTIFY_FLAG" val=""/>
+</p:tagLst>
+</file>
+
+<file path=ppt/tags/tag84.xml><?xml version="1.0" encoding="utf-8"?>
+<p:tagLst xmlns:p="http://schemas.openxmlformats.org/presentationml/2006/main">
+  <p:tag name="KSO_WM_BEAUTIFY_FLAG" val=""/>
+</p:tagLst>
+</file>
+
+<file path=ppt/tags/tag85.xml><?xml version="1.0" encoding="utf-8"?>
+<p:tagLst xmlns:p="http://schemas.openxmlformats.org/presentationml/2006/main">
+  <p:tag name="KSO_WM_BEAUTIFY_FLAG" val=""/>
+</p:tagLst>
+</file>
+
+<file path=ppt/tags/tag86.xml><?xml version="1.0" encoding="utf-8"?>
+<p:tagLst xmlns:p="http://schemas.openxmlformats.org/presentationml/2006/main">
+  <p:tag name="KSO_WM_BEAUTIFY_FLAG" val=""/>
+</p:tagLst>
+</file>
+
+<file path=ppt/tags/tag87.xml><?xml version="1.0" encoding="utf-8"?>
+<p:tagLst xmlns:p="http://schemas.openxmlformats.org/presentationml/2006/main">
+  <p:tag name="KSO_WM_BEAUTIFY_FLAG" val=""/>
+</p:tagLst>
+</file>
+
+<file path=ppt/tags/tag88.xml><?xml version="1.0" encoding="utf-8"?>
+<p:tagLst xmlns:p="http://schemas.openxmlformats.org/presentationml/2006/main">
+  <p:tag name="KSO_WM_BEAUTIFY_FLAG" val=""/>
+</p:tagLst>
+</file>
+
+<file path=ppt/tags/tag89.xml><?xml version="1.0" encoding="utf-8"?>
+<p:tagLst xmlns:p="http://schemas.openxmlformats.org/presentationml/2006/main">
+  <p:tag name="KSO_WM_BEAUTIFY_FLAG" val=""/>
+</p:tagLst>
+</file>
+
 <file path=ppt/tags/tag9.xml><?xml version="1.0" encoding="utf-8"?>
 <p:tagLst xmlns:p="http://schemas.openxmlformats.org/presentationml/2006/main">
   <p:tag name="KSO_WM_UNIT_HIGHLIGHT" val="0"/>
@@ -4861,6 +6538,57 @@
   <p:tag name="KSO_WM_UNIT_LAYERLEVEL" val="1"/>
   <p:tag name="KSO_WM_TAG_VERSION" val="1.0"/>
   <p:tag name="KSO_WM_BEAUTIFY_FLAG" val="#wm#"/>
+</p:tagLst>
+</file>
+
+<file path=ppt/tags/tag90.xml><?xml version="1.0" encoding="utf-8"?>
+<p:tagLst xmlns:p="http://schemas.openxmlformats.org/presentationml/2006/main">
+  <p:tag name="KSO_WM_BEAUTIFY_FLAG" val=""/>
+</p:tagLst>
+</file>
+
+<file path=ppt/tags/tag91.xml><?xml version="1.0" encoding="utf-8"?>
+<p:tagLst xmlns:p="http://schemas.openxmlformats.org/presentationml/2006/main">
+  <p:tag name="KSO_WM_BEAUTIFY_FLAG" val=""/>
+</p:tagLst>
+</file>
+
+<file path=ppt/tags/tag92.xml><?xml version="1.0" encoding="utf-8"?>
+<p:tagLst xmlns:p="http://schemas.openxmlformats.org/presentationml/2006/main">
+  <p:tag name="KSO_WM_BEAUTIFY_FLAG" val=""/>
+</p:tagLst>
+</file>
+
+<file path=ppt/tags/tag93.xml><?xml version="1.0" encoding="utf-8"?>
+<p:tagLst xmlns:p="http://schemas.openxmlformats.org/presentationml/2006/main">
+  <p:tag name="KSO_WM_BEAUTIFY_FLAG" val=""/>
+</p:tagLst>
+</file>
+
+<file path=ppt/tags/tag94.xml><?xml version="1.0" encoding="utf-8"?>
+<p:tagLst xmlns:p="http://schemas.openxmlformats.org/presentationml/2006/main">
+  <p:tag name="KSO_WM_BEAUTIFY_FLAG" val=""/>
+</p:tagLst>
+</file>
+
+<file path=ppt/tags/tag95.xml><?xml version="1.0" encoding="utf-8"?>
+<p:tagLst xmlns:p="http://schemas.openxmlformats.org/presentationml/2006/main">
+  <p:tag name="KSO_WM_BEAUTIFY_FLAG" val=""/>
+</p:tagLst>
+</file>
+
+<file path=ppt/tags/tag96.xml><?xml version="1.0" encoding="utf-8"?>
+<p:tagLst xmlns:p="http://schemas.openxmlformats.org/presentationml/2006/main">
+  <p:tag name="KSO_WM_BEAUTIFY_FLAG" val="#wm#"/>
+  <p:tag name="KSO_WM_TEMPLATE_CATEGORY" val="custom"/>
+  <p:tag name="KSO_WM_TEMPLATE_INDEX" val="20205176"/>
+</p:tagLst>
+</file>
+
+<file path=ppt/tags/tag97.xml><?xml version="1.0" encoding="utf-8"?>
+<p:tagLst xmlns:p="http://schemas.openxmlformats.org/presentationml/2006/main">
+  <p:tag name="COMMONDATA" val="eyJoZGlkIjoiMGNiYmI5YWVjOTk5ZjZhOWZjNGUxNjlhNTAzYmI0NWQifQ=="/>
+  <p:tag name="KSO_WPP_MARK_KEY" val="c2104ff3-7694-476d-8b99-6d5c7f81cc34"/>
 </p:tagLst>
 </file>
 
